--- a/Courses/Applied-Programmer/Programming-Basics/03-Условни-конструкции/06.Серия-от-проверки.pptx
+++ b/Courses/Applied-Programmer/Programming-Basics/03-Условни-конструкции/06.Серия-от-проверки.pptx
@@ -315,7 +315,7 @@
             <a:fld id="{FE5B4EDC-59C0-49C7-8ADA-5A781B329E02}" type="datetimeFigureOut">
               <a:rPr lang="en-US"/>
               <a:pPr/>
-              <a:t>16-Dec-19</a:t>
+              <a:t>09-Nov-20</a:t>
             </a:fld>
             <a:endParaRPr dirty="0"/>
           </a:p>
@@ -613,7 +613,7 @@
             <a:fld id="{F2D8D46A-B586-417D-BFBD-8C8FE0AAF762}" type="datetimeFigureOut">
               <a:rPr lang="en-US" smtClean="0"/>
               <a:pPr/>
-              <a:t>16-Dec-19</a:t>
+              <a:t>09-Nov-20</a:t>
             </a:fld>
             <a:endParaRPr lang="en-US" dirty="0"/>
           </a:p>
@@ -9222,6 +9222,83 @@
           </a:p>
         </p:txBody>
       </p:sp>
+      <p:sp>
+        <p:nvSpPr>
+          <p:cNvPr id="2" name="Текстово поле 1">
+            <a:extLst>
+              <a:ext uri="{FF2B5EF4-FFF2-40B4-BE49-F238E27FC236}">
+                <a16:creationId xmlns:a16="http://schemas.microsoft.com/office/drawing/2014/main" id="{CE516169-53AE-4714-B805-59868E3C46B8}"/>
+              </a:ext>
+            </a:extLst>
+          </p:cNvPr>
+          <p:cNvSpPr txBox="1"/>
+          <p:nvPr/>
+        </p:nvSpPr>
+        <p:spPr>
+          <a:xfrm>
+            <a:off x="1023926" y="6175490"/>
+            <a:ext cx="10134600" cy="461665"/>
+          </a:xfrm>
+          <a:prstGeom prst="rect">
+            <a:avLst/>
+          </a:prstGeom>
+          <a:noFill/>
+        </p:spPr>
+        <p:txBody>
+          <a:bodyPr wrap="square" rtlCol="0">
+            <a:spAutoFit/>
+          </a:bodyPr>
+          <a:lstStyle/>
+          <a:p>
+            <a:r>
+              <a:rPr lang="bg-BG" dirty="0">
+                <a:effectLst/>
+                <a:latin typeface="Calibri" panose="020F0502020204030204" pitchFamily="34" charset="0"/>
+                <a:ea typeface="Calibri" panose="020F0502020204030204" pitchFamily="34" charset="0"/>
+                <a:cs typeface="Times New Roman" panose="02020603050405020304" pitchFamily="18" charset="0"/>
+              </a:rPr>
+              <a:t>Тествайте в </a:t>
+            </a:r>
+            <a:r>
+              <a:rPr lang="en-US" dirty="0">
+                <a:effectLst/>
+                <a:latin typeface="Calibri" panose="020F0502020204030204" pitchFamily="34" charset="0"/>
+                <a:ea typeface="Calibri" panose="020F0502020204030204" pitchFamily="34" charset="0"/>
+                <a:cs typeface="Times New Roman" panose="02020603050405020304" pitchFamily="18" charset="0"/>
+              </a:rPr>
+              <a:t>Judge:</a:t>
+            </a:r>
+            <a:r>
+              <a:rPr lang="bg-BG" dirty="0">
+                <a:effectLst/>
+                <a:latin typeface="Calibri" panose="020F0502020204030204" pitchFamily="34" charset="0"/>
+                <a:ea typeface="Calibri" panose="020F0502020204030204" pitchFamily="34" charset="0"/>
+                <a:cs typeface="Times New Roman" panose="02020603050405020304" pitchFamily="18" charset="0"/>
+              </a:rPr>
+              <a:t> </a:t>
+            </a:r>
+            <a:r>
+              <a:rPr lang="bg-BG" u="sng" dirty="0">
+                <a:solidFill>
+                  <a:srgbClr val="0563C1"/>
+                </a:solidFill>
+                <a:effectLst/>
+                <a:latin typeface="Calibri" panose="020F0502020204030204" pitchFamily="34" charset="0"/>
+                <a:ea typeface="Calibri" panose="020F0502020204030204" pitchFamily="34" charset="0"/>
+                <a:cs typeface="Times New Roman" panose="02020603050405020304" pitchFamily="18" charset="0"/>
+                <a:hlinkClick r:id="rId2"/>
+              </a:rPr>
+              <a:t>https://judge.softuni.bg/Contests/2633/Серия-от-проверки</a:t>
+            </a:r>
+            <a:endParaRPr lang="en-US" dirty="0">
+              <a:effectLst/>
+              <a:latin typeface="Calibri" panose="020F0502020204030204" pitchFamily="34" charset="0"/>
+              <a:ea typeface="Calibri" panose="020F0502020204030204" pitchFamily="34" charset="0"/>
+              <a:cs typeface="Times New Roman" panose="02020603050405020304" pitchFamily="18" charset="0"/>
+            </a:endParaRPr>
+          </a:p>
+        </p:txBody>
+      </p:sp>
     </p:spTree>
     <p:extLst>
       <p:ext uri="{BB962C8B-B14F-4D97-AF65-F5344CB8AC3E}">
@@ -10822,6 +10899,83 @@
           </a:p>
         </p:txBody>
       </p:sp>
+      <p:sp>
+        <p:nvSpPr>
+          <p:cNvPr id="6" name="Текстово поле 5">
+            <a:extLst>
+              <a:ext uri="{FF2B5EF4-FFF2-40B4-BE49-F238E27FC236}">
+                <a16:creationId xmlns:a16="http://schemas.microsoft.com/office/drawing/2014/main" id="{C11BE28F-EA59-40CE-938D-69AAAEBADE15}"/>
+              </a:ext>
+            </a:extLst>
+          </p:cNvPr>
+          <p:cNvSpPr txBox="1"/>
+          <p:nvPr/>
+        </p:nvSpPr>
+        <p:spPr>
+          <a:xfrm>
+            <a:off x="1023926" y="6172346"/>
+            <a:ext cx="10134600" cy="461665"/>
+          </a:xfrm>
+          <a:prstGeom prst="rect">
+            <a:avLst/>
+          </a:prstGeom>
+          <a:noFill/>
+        </p:spPr>
+        <p:txBody>
+          <a:bodyPr wrap="square" rtlCol="0">
+            <a:spAutoFit/>
+          </a:bodyPr>
+          <a:lstStyle/>
+          <a:p>
+            <a:r>
+              <a:rPr lang="bg-BG" dirty="0">
+                <a:effectLst/>
+                <a:latin typeface="Calibri" panose="020F0502020204030204" pitchFamily="34" charset="0"/>
+                <a:ea typeface="Calibri" panose="020F0502020204030204" pitchFamily="34" charset="0"/>
+                <a:cs typeface="Times New Roman" panose="02020603050405020304" pitchFamily="18" charset="0"/>
+              </a:rPr>
+              <a:t>Тествайте в </a:t>
+            </a:r>
+            <a:r>
+              <a:rPr lang="en-US" dirty="0">
+                <a:effectLst/>
+                <a:latin typeface="Calibri" panose="020F0502020204030204" pitchFamily="34" charset="0"/>
+                <a:ea typeface="Calibri" panose="020F0502020204030204" pitchFamily="34" charset="0"/>
+                <a:cs typeface="Times New Roman" panose="02020603050405020304" pitchFamily="18" charset="0"/>
+              </a:rPr>
+              <a:t>Judge:</a:t>
+            </a:r>
+            <a:r>
+              <a:rPr lang="bg-BG" dirty="0">
+                <a:effectLst/>
+                <a:latin typeface="Calibri" panose="020F0502020204030204" pitchFamily="34" charset="0"/>
+                <a:ea typeface="Calibri" panose="020F0502020204030204" pitchFamily="34" charset="0"/>
+                <a:cs typeface="Times New Roman" panose="02020603050405020304" pitchFamily="18" charset="0"/>
+              </a:rPr>
+              <a:t> </a:t>
+            </a:r>
+            <a:r>
+              <a:rPr lang="bg-BG" u="sng" dirty="0">
+                <a:solidFill>
+                  <a:srgbClr val="0563C1"/>
+                </a:solidFill>
+                <a:effectLst/>
+                <a:latin typeface="Calibri" panose="020F0502020204030204" pitchFamily="34" charset="0"/>
+                <a:ea typeface="Calibri" panose="020F0502020204030204" pitchFamily="34" charset="0"/>
+                <a:cs typeface="Times New Roman" panose="02020603050405020304" pitchFamily="18" charset="0"/>
+                <a:hlinkClick r:id="rId2"/>
+              </a:rPr>
+              <a:t>https://judge.softuni.bg/Contests/2633/Серия-от-проверки</a:t>
+            </a:r>
+            <a:endParaRPr lang="en-US" dirty="0">
+              <a:effectLst/>
+              <a:latin typeface="Calibri" panose="020F0502020204030204" pitchFamily="34" charset="0"/>
+              <a:ea typeface="Calibri" panose="020F0502020204030204" pitchFamily="34" charset="0"/>
+              <a:cs typeface="Times New Roman" panose="02020603050405020304" pitchFamily="18" charset="0"/>
+            </a:endParaRPr>
+          </a:p>
+        </p:txBody>
+      </p:sp>
     </p:spTree>
     <p:extLst>
       <p:ext uri="{BB962C8B-B14F-4D97-AF65-F5344CB8AC3E}">
@@ -12991,6 +13145,83 @@
                   <a:tint val="75000"/>
                 </a:prstClr>
               </a:solidFill>
+            </a:endParaRPr>
+          </a:p>
+        </p:txBody>
+      </p:sp>
+      <p:sp>
+        <p:nvSpPr>
+          <p:cNvPr id="2" name="Текстово поле 1">
+            <a:extLst>
+              <a:ext uri="{FF2B5EF4-FFF2-40B4-BE49-F238E27FC236}">
+                <a16:creationId xmlns:a16="http://schemas.microsoft.com/office/drawing/2014/main" id="{16C20AD7-159F-44B2-92FB-8CF3091C51A9}"/>
+              </a:ext>
+            </a:extLst>
+          </p:cNvPr>
+          <p:cNvSpPr txBox="1"/>
+          <p:nvPr/>
+        </p:nvSpPr>
+        <p:spPr>
+          <a:xfrm>
+            <a:off x="1023926" y="6163794"/>
+            <a:ext cx="10134600" cy="461665"/>
+          </a:xfrm>
+          <a:prstGeom prst="rect">
+            <a:avLst/>
+          </a:prstGeom>
+          <a:noFill/>
+        </p:spPr>
+        <p:txBody>
+          <a:bodyPr wrap="square" rtlCol="0">
+            <a:spAutoFit/>
+          </a:bodyPr>
+          <a:lstStyle/>
+          <a:p>
+            <a:r>
+              <a:rPr lang="bg-BG" dirty="0">
+                <a:effectLst/>
+                <a:latin typeface="Calibri" panose="020F0502020204030204" pitchFamily="34" charset="0"/>
+                <a:ea typeface="Calibri" panose="020F0502020204030204" pitchFamily="34" charset="0"/>
+                <a:cs typeface="Times New Roman" panose="02020603050405020304" pitchFamily="18" charset="0"/>
+              </a:rPr>
+              <a:t>Тествайте в </a:t>
+            </a:r>
+            <a:r>
+              <a:rPr lang="en-US" dirty="0">
+                <a:effectLst/>
+                <a:latin typeface="Calibri" panose="020F0502020204030204" pitchFamily="34" charset="0"/>
+                <a:ea typeface="Calibri" panose="020F0502020204030204" pitchFamily="34" charset="0"/>
+                <a:cs typeface="Times New Roman" panose="02020603050405020304" pitchFamily="18" charset="0"/>
+              </a:rPr>
+              <a:t>Judge:</a:t>
+            </a:r>
+            <a:r>
+              <a:rPr lang="bg-BG" dirty="0">
+                <a:effectLst/>
+                <a:latin typeface="Calibri" panose="020F0502020204030204" pitchFamily="34" charset="0"/>
+                <a:ea typeface="Calibri" panose="020F0502020204030204" pitchFamily="34" charset="0"/>
+                <a:cs typeface="Times New Roman" panose="02020603050405020304" pitchFamily="18" charset="0"/>
+              </a:rPr>
+              <a:t> </a:t>
+            </a:r>
+            <a:r>
+              <a:rPr lang="bg-BG" u="sng" dirty="0">
+                <a:solidFill>
+                  <a:srgbClr val="0563C1"/>
+                </a:solidFill>
+                <a:effectLst/>
+                <a:latin typeface="Calibri" panose="020F0502020204030204" pitchFamily="34" charset="0"/>
+                <a:ea typeface="Calibri" panose="020F0502020204030204" pitchFamily="34" charset="0"/>
+                <a:cs typeface="Times New Roman" panose="02020603050405020304" pitchFamily="18" charset="0"/>
+                <a:hlinkClick r:id="rId2"/>
+              </a:rPr>
+              <a:t>https://judge.softuni.bg/Contests/2633/Серия-от-проверки</a:t>
+            </a:r>
+            <a:endParaRPr lang="en-US" dirty="0">
+              <a:effectLst/>
+              <a:latin typeface="Calibri" panose="020F0502020204030204" pitchFamily="34" charset="0"/>
+              <a:ea typeface="Calibri" panose="020F0502020204030204" pitchFamily="34" charset="0"/>
+              <a:cs typeface="Times New Roman" panose="02020603050405020304" pitchFamily="18" charset="0"/>
             </a:endParaRPr>
           </a:p>
         </p:txBody>
@@ -14609,6 +14840,83 @@
                   <a:tint val="75000"/>
                 </a:prstClr>
               </a:solidFill>
+            </a:endParaRPr>
+          </a:p>
+        </p:txBody>
+      </p:sp>
+      <p:sp>
+        <p:nvSpPr>
+          <p:cNvPr id="2" name="Текстово поле 1">
+            <a:extLst>
+              <a:ext uri="{FF2B5EF4-FFF2-40B4-BE49-F238E27FC236}">
+                <a16:creationId xmlns:a16="http://schemas.microsoft.com/office/drawing/2014/main" id="{9D3710D1-DFD0-4839-9B12-C9B8CDCB78C8}"/>
+              </a:ext>
+            </a:extLst>
+          </p:cNvPr>
+          <p:cNvSpPr txBox="1"/>
+          <p:nvPr/>
+        </p:nvSpPr>
+        <p:spPr>
+          <a:xfrm>
+            <a:off x="1023926" y="6101067"/>
+            <a:ext cx="10134600" cy="461665"/>
+          </a:xfrm>
+          <a:prstGeom prst="rect">
+            <a:avLst/>
+          </a:prstGeom>
+          <a:noFill/>
+        </p:spPr>
+        <p:txBody>
+          <a:bodyPr wrap="square" rtlCol="0">
+            <a:spAutoFit/>
+          </a:bodyPr>
+          <a:lstStyle/>
+          <a:p>
+            <a:r>
+              <a:rPr lang="bg-BG" dirty="0">
+                <a:effectLst/>
+                <a:latin typeface="Calibri" panose="020F0502020204030204" pitchFamily="34" charset="0"/>
+                <a:ea typeface="Calibri" panose="020F0502020204030204" pitchFamily="34" charset="0"/>
+                <a:cs typeface="Times New Roman" panose="02020603050405020304" pitchFamily="18" charset="0"/>
+              </a:rPr>
+              <a:t>Тествайте в </a:t>
+            </a:r>
+            <a:r>
+              <a:rPr lang="en-US" dirty="0">
+                <a:effectLst/>
+                <a:latin typeface="Calibri" panose="020F0502020204030204" pitchFamily="34" charset="0"/>
+                <a:ea typeface="Calibri" panose="020F0502020204030204" pitchFamily="34" charset="0"/>
+                <a:cs typeface="Times New Roman" panose="02020603050405020304" pitchFamily="18" charset="0"/>
+              </a:rPr>
+              <a:t>Judge:</a:t>
+            </a:r>
+            <a:r>
+              <a:rPr lang="bg-BG" dirty="0">
+                <a:effectLst/>
+                <a:latin typeface="Calibri" panose="020F0502020204030204" pitchFamily="34" charset="0"/>
+                <a:ea typeface="Calibri" panose="020F0502020204030204" pitchFamily="34" charset="0"/>
+                <a:cs typeface="Times New Roman" panose="02020603050405020304" pitchFamily="18" charset="0"/>
+              </a:rPr>
+              <a:t> </a:t>
+            </a:r>
+            <a:r>
+              <a:rPr lang="bg-BG" u="sng" dirty="0">
+                <a:solidFill>
+                  <a:srgbClr val="0563C1"/>
+                </a:solidFill>
+                <a:effectLst/>
+                <a:latin typeface="Calibri" panose="020F0502020204030204" pitchFamily="34" charset="0"/>
+                <a:ea typeface="Calibri" panose="020F0502020204030204" pitchFamily="34" charset="0"/>
+                <a:cs typeface="Times New Roman" panose="02020603050405020304" pitchFamily="18" charset="0"/>
+                <a:hlinkClick r:id="rId2"/>
+              </a:rPr>
+              <a:t>https://judge.softuni.bg/Contests/2633/Серия-от-проверки</a:t>
+            </a:r>
+            <a:endParaRPr lang="en-US" dirty="0">
+              <a:effectLst/>
+              <a:latin typeface="Calibri" panose="020F0502020204030204" pitchFamily="34" charset="0"/>
+              <a:ea typeface="Calibri" panose="020F0502020204030204" pitchFamily="34" charset="0"/>
+              <a:cs typeface="Times New Roman" panose="02020603050405020304" pitchFamily="18" charset="0"/>
             </a:endParaRPr>
           </a:p>
         </p:txBody>

--- a/Courses/Applied-Programmer/Programming-Basics/03-Условни-конструкции/06.Серия-от-проверки.pptx
+++ b/Courses/Applied-Programmer/Programming-Basics/03-Условни-конструкции/06.Серия-от-проверки.pptx
@@ -315,7 +315,7 @@
             <a:fld id="{FE5B4EDC-59C0-49C7-8ADA-5A781B329E02}" type="datetimeFigureOut">
               <a:rPr lang="en-US"/>
               <a:pPr/>
-              <a:t>09-Nov-20</a:t>
+              <a:t>11-Nov-20</a:t>
             </a:fld>
             <a:endParaRPr dirty="0"/>
           </a:p>
@@ -613,7 +613,7 @@
             <a:fld id="{F2D8D46A-B586-417D-BFBD-8C8FE0AAF762}" type="datetimeFigureOut">
               <a:rPr lang="en-US" smtClean="0"/>
               <a:pPr/>
-              <a:t>09-Nov-20</a:t>
+              <a:t>11-Nov-20</a:t>
             </a:fld>
             <a:endParaRPr lang="en-US" dirty="0"/>
           </a:p>
@@ -3779,7 +3779,7 @@
         </p:blipFill>
         <p:spPr bwMode="auto">
           <a:xfrm>
-            <a:off x="745783" y="4076772"/>
+            <a:off x="844503" y="4536321"/>
             <a:ext cx="2175525" cy="761165"/>
           </a:xfrm>
           <a:prstGeom prst="roundRect">
@@ -3818,7 +3818,7 @@
         </p:nvSpPr>
         <p:spPr bwMode="auto">
           <a:xfrm>
-            <a:off x="760413" y="4998598"/>
+            <a:off x="813540" y="5334058"/>
             <a:ext cx="3187614" cy="444343"/>
           </a:xfrm>
           <a:prstGeom prst="rect">
@@ -4053,7 +4053,7 @@
               <a:t>Учителски</a:t>
             </a:r>
             <a:r>
-              <a:rPr lang="bg-BG"/>
+              <a:rPr lang="bg-BG" dirty="0"/>
               <a:t> екип</a:t>
             </a:r>
           </a:p>
@@ -4075,7 +4075,7 @@
         </p:nvSpPr>
         <p:spPr bwMode="auto">
           <a:xfrm>
-            <a:off x="760412" y="5403725"/>
+            <a:off x="773284" y="5745147"/>
             <a:ext cx="3187613" cy="382788"/>
           </a:xfrm>
           <a:prstGeom prst="rect">
@@ -4309,7 +4309,7 @@
           </a:lstStyle>
           <a:p>
             <a:r>
-              <a:rPr lang="bg-BG"/>
+              <a:rPr lang="bg-BG" dirty="0"/>
               <a:t>Обучение за ИТ кариера</a:t>
             </a:r>
           </a:p>
@@ -4331,7 +4331,7 @@
         </p:nvSpPr>
         <p:spPr bwMode="auto">
           <a:xfrm>
-            <a:off x="760412" y="5690893"/>
+            <a:off x="773284" y="6019169"/>
             <a:ext cx="3810000" cy="458462"/>
           </a:xfrm>
           <a:prstGeom prst="rect">
@@ -4562,12 +4562,12 @@
           </a:lstStyle>
           <a:p>
             <a:r>
-              <a:rPr lang="en-GB">
+              <a:rPr lang="en-GB" dirty="0">
                 <a:hlinkClick r:id="rId6"/>
               </a:rPr>
               <a:t>https://it-kariera.mon.bg/e-learning/</a:t>
             </a:r>
-            <a:endParaRPr lang="en-GB"/>
+            <a:endParaRPr lang="en-GB" dirty="0"/>
           </a:p>
         </p:txBody>
       </p:sp>
@@ -4711,6 +4711,138 @@
           </a:prstGeom>
         </p:spPr>
       </p:pic>
+      <p:sp>
+        <p:nvSpPr>
+          <p:cNvPr id="11" name="Текстово поле 1">
+            <a:extLst>
+              <a:ext uri="{FF2B5EF4-FFF2-40B4-BE49-F238E27FC236}">
+                <a16:creationId xmlns:a16="http://schemas.microsoft.com/office/drawing/2014/main" id="{B398007E-9BC4-479A-87BF-1B270134F51F}"/>
+              </a:ext>
+            </a:extLst>
+          </p:cNvPr>
+          <p:cNvSpPr txBox="1"/>
+          <p:nvPr/>
+        </p:nvSpPr>
+        <p:spPr>
+          <a:xfrm>
+            <a:off x="730878" y="6371278"/>
+            <a:ext cx="11216029" cy="369332"/>
+          </a:xfrm>
+          <a:prstGeom prst="rect">
+            <a:avLst/>
+          </a:prstGeom>
+          <a:noFill/>
+        </p:spPr>
+        <p:txBody>
+          <a:bodyPr wrap="square" rtlCol="0">
+            <a:spAutoFit/>
+          </a:bodyPr>
+          <a:lstStyle>
+            <a:defPPr>
+              <a:defRPr lang="en-US"/>
+            </a:defPPr>
+            <a:lvl1pPr marL="0" algn="l" defTabSz="1218987" rtl="0" eaLnBrk="1" latinLnBrk="0" hangingPunct="1">
+              <a:defRPr sz="2400" kern="1200">
+                <a:solidFill>
+                  <a:schemeClr val="tx1"/>
+                </a:solidFill>
+                <a:latin typeface="+mn-lt"/>
+                <a:ea typeface="+mn-ea"/>
+                <a:cs typeface="+mn-cs"/>
+              </a:defRPr>
+            </a:lvl1pPr>
+            <a:lvl2pPr marL="609493" algn="l" defTabSz="1218987" rtl="0" eaLnBrk="1" latinLnBrk="0" hangingPunct="1">
+              <a:defRPr sz="2400" kern="1200">
+                <a:solidFill>
+                  <a:schemeClr val="tx1"/>
+                </a:solidFill>
+                <a:latin typeface="+mn-lt"/>
+                <a:ea typeface="+mn-ea"/>
+                <a:cs typeface="+mn-cs"/>
+              </a:defRPr>
+            </a:lvl2pPr>
+            <a:lvl3pPr marL="1218987" algn="l" defTabSz="1218987" rtl="0" eaLnBrk="1" latinLnBrk="0" hangingPunct="1">
+              <a:defRPr sz="2400" kern="1200">
+                <a:solidFill>
+                  <a:schemeClr val="tx1"/>
+                </a:solidFill>
+                <a:latin typeface="+mn-lt"/>
+                <a:ea typeface="+mn-ea"/>
+                <a:cs typeface="+mn-cs"/>
+              </a:defRPr>
+            </a:lvl3pPr>
+            <a:lvl4pPr marL="1828480" algn="l" defTabSz="1218987" rtl="0" eaLnBrk="1" latinLnBrk="0" hangingPunct="1">
+              <a:defRPr sz="2400" kern="1200">
+                <a:solidFill>
+                  <a:schemeClr val="tx1"/>
+                </a:solidFill>
+                <a:latin typeface="+mn-lt"/>
+                <a:ea typeface="+mn-ea"/>
+                <a:cs typeface="+mn-cs"/>
+              </a:defRPr>
+            </a:lvl4pPr>
+            <a:lvl5pPr marL="2437973" algn="l" defTabSz="1218987" rtl="0" eaLnBrk="1" latinLnBrk="0" hangingPunct="1">
+              <a:defRPr sz="2400" kern="1200">
+                <a:solidFill>
+                  <a:schemeClr val="tx1"/>
+                </a:solidFill>
+                <a:latin typeface="+mn-lt"/>
+                <a:ea typeface="+mn-ea"/>
+                <a:cs typeface="+mn-cs"/>
+              </a:defRPr>
+            </a:lvl5pPr>
+            <a:lvl6pPr marL="3047467" algn="l" defTabSz="1218987" rtl="0" eaLnBrk="1" latinLnBrk="0" hangingPunct="1">
+              <a:defRPr sz="2400" kern="1200">
+                <a:solidFill>
+                  <a:schemeClr val="tx1"/>
+                </a:solidFill>
+                <a:latin typeface="+mn-lt"/>
+                <a:ea typeface="+mn-ea"/>
+                <a:cs typeface="+mn-cs"/>
+              </a:defRPr>
+            </a:lvl6pPr>
+            <a:lvl7pPr marL="3656960" algn="l" defTabSz="1218987" rtl="0" eaLnBrk="1" latinLnBrk="0" hangingPunct="1">
+              <a:defRPr sz="2400" kern="1200">
+                <a:solidFill>
+                  <a:schemeClr val="tx1"/>
+                </a:solidFill>
+                <a:latin typeface="+mn-lt"/>
+                <a:ea typeface="+mn-ea"/>
+                <a:cs typeface="+mn-cs"/>
+              </a:defRPr>
+            </a:lvl7pPr>
+            <a:lvl8pPr marL="4266453" algn="l" defTabSz="1218987" rtl="0" eaLnBrk="1" latinLnBrk="0" hangingPunct="1">
+              <a:defRPr sz="2400" kern="1200">
+                <a:solidFill>
+                  <a:schemeClr val="tx1"/>
+                </a:solidFill>
+                <a:latin typeface="+mn-lt"/>
+                <a:ea typeface="+mn-ea"/>
+                <a:cs typeface="+mn-cs"/>
+              </a:defRPr>
+            </a:lvl8pPr>
+            <a:lvl9pPr marL="4875947" algn="l" defTabSz="1218987" rtl="0" eaLnBrk="1" latinLnBrk="0" hangingPunct="1">
+              <a:defRPr sz="2400" kern="1200">
+                <a:solidFill>
+                  <a:schemeClr val="tx1"/>
+                </a:solidFill>
+                <a:latin typeface="+mn-lt"/>
+                <a:ea typeface="+mn-ea"/>
+                <a:cs typeface="+mn-cs"/>
+              </a:defRPr>
+            </a:lvl9pPr>
+          </a:lstStyle>
+          <a:p>
+            <a:r>
+              <a:rPr lang="en-US" sz="1800" b="1" dirty="0">
+                <a:hlinkClick r:id="rId8"/>
+              </a:rPr>
+              <a:t>https://github.com/BG-IT-Edu/School-Programming/tree/main/Courses/Applied-Programmer/Programming-Basics</a:t>
+            </a:r>
+            <a:endParaRPr lang="bg-BG" sz="1800" b="1" dirty="0"/>
+          </a:p>
+        </p:txBody>
+      </p:sp>
     </p:spTree>
     <p:extLst>
       <p:ext uri="{BB962C8B-B14F-4D97-AF65-F5344CB8AC3E}">
@@ -4981,6 +5113,88 @@
   <p:clrMapOvr>
     <a:masterClrMapping/>
   </p:clrMapOvr>
+  <p:timing>
+    <p:tnLst>
+      <p:par>
+        <p:cTn id="1" dur="indefinite" restart="never" nodeType="tmRoot">
+          <p:childTnLst>
+            <p:seq concurrent="1" nextAc="seek">
+              <p:cTn id="2" dur="indefinite" nodeType="mainSeq">
+                <p:childTnLst>
+                  <p:par>
+                    <p:cTn id="3" fill="hold">
+                      <p:stCondLst>
+                        <p:cond delay="indefinite"/>
+                      </p:stCondLst>
+                      <p:childTnLst>
+                        <p:par>
+                          <p:cTn id="4" fill="hold">
+                            <p:stCondLst>
+                              <p:cond delay="0"/>
+                            </p:stCondLst>
+                            <p:childTnLst>
+                              <p:par>
+                                <p:cTn id="5" presetID="1" presetClass="entr" presetSubtype="0" fill="hold" grpId="0" nodeType="clickEffect">
+                                  <p:stCondLst>
+                                    <p:cond delay="0"/>
+                                  </p:stCondLst>
+                                  <p:childTnLst>
+                                    <p:set>
+                                      <p:cBhvr>
+                                        <p:cTn id="6" dur="1" fill="hold">
+                                          <p:stCondLst>
+                                            <p:cond delay="0"/>
+                                          </p:stCondLst>
+                                        </p:cTn>
+                                        <p:tgtEl>
+                                          <p:spTgt spid="6">
+                                            <p:txEl>
+                                              <p:pRg st="0" end="0"/>
+                                            </p:txEl>
+                                          </p:spTgt>
+                                        </p:tgtEl>
+                                        <p:attrNameLst>
+                                          <p:attrName>style.visibility</p:attrName>
+                                        </p:attrNameLst>
+                                      </p:cBhvr>
+                                      <p:to>
+                                        <p:strVal val="visible"/>
+                                      </p:to>
+                                    </p:set>
+                                  </p:childTnLst>
+                                </p:cTn>
+                              </p:par>
+                            </p:childTnLst>
+                          </p:cTn>
+                        </p:par>
+                      </p:childTnLst>
+                    </p:cTn>
+                  </p:par>
+                </p:childTnLst>
+              </p:cTn>
+              <p:prevCondLst>
+                <p:cond evt="onPrev" delay="0">
+                  <p:tgtEl>
+                    <p:sldTgt/>
+                  </p:tgtEl>
+                </p:cond>
+              </p:prevCondLst>
+              <p:nextCondLst>
+                <p:cond evt="onNext" delay="0">
+                  <p:tgtEl>
+                    <p:sldTgt/>
+                  </p:tgtEl>
+                </p:cond>
+              </p:nextCondLst>
+            </p:seq>
+          </p:childTnLst>
+        </p:cTn>
+      </p:par>
+    </p:tnLst>
+    <p:bldLst>
+      <p:bldP spid="6" grpId="0" build="p"/>
+    </p:bldLst>
+  </p:timing>
 </p:sld>
 </file>
 
@@ -5187,6 +5401,112 @@
   <p:clrMapOvr>
     <a:masterClrMapping/>
   </p:clrMapOvr>
+  <p:timing>
+    <p:tnLst>
+      <p:par>
+        <p:cTn id="1" dur="indefinite" restart="never" nodeType="tmRoot">
+          <p:childTnLst>
+            <p:seq concurrent="1" nextAc="seek">
+              <p:cTn id="2" dur="indefinite" nodeType="mainSeq">
+                <p:childTnLst>
+                  <p:par>
+                    <p:cTn id="3" fill="hold">
+                      <p:stCondLst>
+                        <p:cond delay="indefinite"/>
+                      </p:stCondLst>
+                      <p:childTnLst>
+                        <p:par>
+                          <p:cTn id="4" fill="hold">
+                            <p:stCondLst>
+                              <p:cond delay="0"/>
+                            </p:stCondLst>
+                            <p:childTnLst>
+                              <p:par>
+                                <p:cTn id="5" presetID="1" presetClass="entr" presetSubtype="0" fill="hold" nodeType="clickEffect">
+                                  <p:stCondLst>
+                                    <p:cond delay="0"/>
+                                  </p:stCondLst>
+                                  <p:childTnLst>
+                                    <p:set>
+                                      <p:cBhvr>
+                                        <p:cTn id="6" dur="1" fill="hold">
+                                          <p:stCondLst>
+                                            <p:cond delay="0"/>
+                                          </p:stCondLst>
+                                        </p:cTn>
+                                        <p:tgtEl>
+                                          <p:spTgt spid="5">
+                                            <p:txEl>
+                                              <p:pRg st="1" end="1"/>
+                                            </p:txEl>
+                                          </p:spTgt>
+                                        </p:tgtEl>
+                                        <p:attrNameLst>
+                                          <p:attrName>style.visibility</p:attrName>
+                                        </p:attrNameLst>
+                                      </p:cBhvr>
+                                      <p:to>
+                                        <p:strVal val="visible"/>
+                                      </p:to>
+                                    </p:set>
+                                  </p:childTnLst>
+                                </p:cTn>
+                              </p:par>
+                              <p:par>
+                                <p:cTn id="7" presetID="1" presetClass="entr" presetSubtype="0" fill="hold" nodeType="withEffect">
+                                  <p:stCondLst>
+                                    <p:cond delay="0"/>
+                                  </p:stCondLst>
+                                  <p:childTnLst>
+                                    <p:set>
+                                      <p:cBhvr>
+                                        <p:cTn id="8" dur="1" fill="hold">
+                                          <p:stCondLst>
+                                            <p:cond delay="0"/>
+                                          </p:stCondLst>
+                                        </p:cTn>
+                                        <p:tgtEl>
+                                          <p:spTgt spid="1026"/>
+                                        </p:tgtEl>
+                                        <p:attrNameLst>
+                                          <p:attrName>style.visibility</p:attrName>
+                                        </p:attrNameLst>
+                                      </p:cBhvr>
+                                      <p:to>
+                                        <p:strVal val="visible"/>
+                                      </p:to>
+                                    </p:set>
+                                  </p:childTnLst>
+                                </p:cTn>
+                              </p:par>
+                            </p:childTnLst>
+                          </p:cTn>
+                        </p:par>
+                      </p:childTnLst>
+                    </p:cTn>
+                  </p:par>
+                </p:childTnLst>
+              </p:cTn>
+              <p:prevCondLst>
+                <p:cond evt="onPrev" delay="0">
+                  <p:tgtEl>
+                    <p:sldTgt/>
+                  </p:tgtEl>
+                </p:cond>
+              </p:prevCondLst>
+              <p:nextCondLst>
+                <p:cond evt="onNext" delay="0">
+                  <p:tgtEl>
+                    <p:sldTgt/>
+                  </p:tgtEl>
+                </p:cond>
+              </p:nextCondLst>
+            </p:seq>
+          </p:childTnLst>
+        </p:cTn>
+      </p:par>
+    </p:tnLst>
+  </p:timing>
 </p:sld>
 </file>
 
@@ -5507,6 +5827,165 @@
   <p:clrMapOvr>
     <a:masterClrMapping/>
   </p:clrMapOvr>
+  <p:timing>
+    <p:tnLst>
+      <p:par>
+        <p:cTn id="1" dur="indefinite" restart="never" nodeType="tmRoot">
+          <p:childTnLst>
+            <p:seq concurrent="1" nextAc="seek">
+              <p:cTn id="2" dur="indefinite" nodeType="mainSeq">
+                <p:childTnLst>
+                  <p:par>
+                    <p:cTn id="3" fill="hold">
+                      <p:stCondLst>
+                        <p:cond delay="indefinite"/>
+                      </p:stCondLst>
+                      <p:childTnLst>
+                        <p:par>
+                          <p:cTn id="4" fill="hold">
+                            <p:stCondLst>
+                              <p:cond delay="0"/>
+                            </p:stCondLst>
+                            <p:childTnLst>
+                              <p:par>
+                                <p:cTn id="5" presetID="1" presetClass="entr" presetSubtype="0" fill="hold" nodeType="clickEffect">
+                                  <p:stCondLst>
+                                    <p:cond delay="0"/>
+                                  </p:stCondLst>
+                                  <p:childTnLst>
+                                    <p:set>
+                                      <p:cBhvr>
+                                        <p:cTn id="6" dur="1" fill="hold">
+                                          <p:stCondLst>
+                                            <p:cond delay="0"/>
+                                          </p:stCondLst>
+                                        </p:cTn>
+                                        <p:tgtEl>
+                                          <p:spTgt spid="3">
+                                            <p:txEl>
+                                              <p:pRg st="1" end="1"/>
+                                            </p:txEl>
+                                          </p:spTgt>
+                                        </p:tgtEl>
+                                        <p:attrNameLst>
+                                          <p:attrName>style.visibility</p:attrName>
+                                        </p:attrNameLst>
+                                      </p:cBhvr>
+                                      <p:to>
+                                        <p:strVal val="visible"/>
+                                      </p:to>
+                                    </p:set>
+                                  </p:childTnLst>
+                                </p:cTn>
+                              </p:par>
+                            </p:childTnLst>
+                          </p:cTn>
+                        </p:par>
+                      </p:childTnLst>
+                    </p:cTn>
+                  </p:par>
+                  <p:par>
+                    <p:cTn id="7" fill="hold">
+                      <p:stCondLst>
+                        <p:cond delay="indefinite"/>
+                      </p:stCondLst>
+                      <p:childTnLst>
+                        <p:par>
+                          <p:cTn id="8" fill="hold">
+                            <p:stCondLst>
+                              <p:cond delay="0"/>
+                            </p:stCondLst>
+                            <p:childTnLst>
+                              <p:par>
+                                <p:cTn id="9" presetID="1" presetClass="entr" presetSubtype="0" fill="hold" nodeType="clickEffect">
+                                  <p:stCondLst>
+                                    <p:cond delay="0"/>
+                                  </p:stCondLst>
+                                  <p:childTnLst>
+                                    <p:set>
+                                      <p:cBhvr>
+                                        <p:cTn id="10" dur="1" fill="hold">
+                                          <p:stCondLst>
+                                            <p:cond delay="0"/>
+                                          </p:stCondLst>
+                                        </p:cTn>
+                                        <p:tgtEl>
+                                          <p:spTgt spid="3">
+                                            <p:txEl>
+                                              <p:pRg st="2" end="2"/>
+                                            </p:txEl>
+                                          </p:spTgt>
+                                        </p:tgtEl>
+                                        <p:attrNameLst>
+                                          <p:attrName>style.visibility</p:attrName>
+                                        </p:attrNameLst>
+                                      </p:cBhvr>
+                                      <p:to>
+                                        <p:strVal val="visible"/>
+                                      </p:to>
+                                    </p:set>
+                                  </p:childTnLst>
+                                </p:cTn>
+                              </p:par>
+                              <p:par>
+                                <p:cTn id="11" presetID="1" presetClass="entr" presetSubtype="0" fill="hold" nodeType="withEffect">
+                                  <p:stCondLst>
+                                    <p:cond delay="0"/>
+                                  </p:stCondLst>
+                                  <p:childTnLst>
+                                    <p:set>
+                                      <p:cBhvr>
+                                        <p:cTn id="12" dur="1" fill="hold">
+                                          <p:stCondLst>
+                                            <p:cond delay="0"/>
+                                          </p:stCondLst>
+                                        </p:cTn>
+                                        <p:tgtEl>
+                                          <p:spTgt spid="3">
+                                            <p:txEl>
+                                              <p:pRg st="3" end="3"/>
+                                            </p:txEl>
+                                          </p:spTgt>
+                                        </p:tgtEl>
+                                        <p:attrNameLst>
+                                          <p:attrName>style.visibility</p:attrName>
+                                        </p:attrNameLst>
+                                      </p:cBhvr>
+                                      <p:to>
+                                        <p:strVal val="visible"/>
+                                      </p:to>
+                                    </p:set>
+                                  </p:childTnLst>
+                                </p:cTn>
+                              </p:par>
+                            </p:childTnLst>
+                          </p:cTn>
+                        </p:par>
+                      </p:childTnLst>
+                    </p:cTn>
+                  </p:par>
+                </p:childTnLst>
+              </p:cTn>
+              <p:prevCondLst>
+                <p:cond evt="onPrev" delay="0">
+                  <p:tgtEl>
+                    <p:sldTgt/>
+                  </p:tgtEl>
+                </p:cond>
+              </p:prevCondLst>
+              <p:nextCondLst>
+                <p:cond evt="onNext" delay="0">
+                  <p:tgtEl>
+                    <p:sldTgt/>
+                  </p:tgtEl>
+                </p:cond>
+              </p:nextCondLst>
+            </p:seq>
+          </p:childTnLst>
+        </p:cTn>
+      </p:par>
+    </p:tnLst>
+  </p:timing>
 </p:sld>
 </file>
 
@@ -7509,6 +7988,130 @@
   <p:clrMapOvr>
     <a:masterClrMapping/>
   </p:clrMapOvr>
+  <p:timing>
+    <p:tnLst>
+      <p:par>
+        <p:cTn id="1" dur="indefinite" restart="never" nodeType="tmRoot">
+          <p:childTnLst>
+            <p:seq concurrent="1" nextAc="seek">
+              <p:cTn id="2" dur="indefinite" nodeType="mainSeq">
+                <p:childTnLst>
+                  <p:par>
+                    <p:cTn id="3" fill="hold">
+                      <p:stCondLst>
+                        <p:cond delay="indefinite"/>
+                      </p:stCondLst>
+                      <p:childTnLst>
+                        <p:par>
+                          <p:cTn id="4" fill="hold">
+                            <p:stCondLst>
+                              <p:cond delay="0"/>
+                            </p:stCondLst>
+                            <p:childTnLst>
+                              <p:par>
+                                <p:cTn id="5" presetID="1" presetClass="entr" presetSubtype="0" fill="hold" grpId="0" nodeType="clickEffect">
+                                  <p:stCondLst>
+                                    <p:cond delay="0"/>
+                                  </p:stCondLst>
+                                  <p:childTnLst>
+                                    <p:set>
+                                      <p:cBhvr>
+                                        <p:cTn id="6" dur="1" fill="hold">
+                                          <p:stCondLst>
+                                            <p:cond delay="0"/>
+                                          </p:stCondLst>
+                                        </p:cTn>
+                                        <p:tgtEl>
+                                          <p:spTgt spid="10"/>
+                                        </p:tgtEl>
+                                        <p:attrNameLst>
+                                          <p:attrName>style.visibility</p:attrName>
+                                        </p:attrNameLst>
+                                      </p:cBhvr>
+                                      <p:to>
+                                        <p:strVal val="visible"/>
+                                      </p:to>
+                                    </p:set>
+                                  </p:childTnLst>
+                                </p:cTn>
+                              </p:par>
+                            </p:childTnLst>
+                          </p:cTn>
+                        </p:par>
+                      </p:childTnLst>
+                    </p:cTn>
+                  </p:par>
+                  <p:par>
+                    <p:cTn id="7" fill="hold">
+                      <p:stCondLst>
+                        <p:cond delay="indefinite"/>
+                      </p:stCondLst>
+                      <p:childTnLst>
+                        <p:par>
+                          <p:cTn id="8" fill="hold">
+                            <p:stCondLst>
+                              <p:cond delay="0"/>
+                            </p:stCondLst>
+                            <p:childTnLst>
+                              <p:par>
+                                <p:cTn id="9" presetID="1" presetClass="entr" presetSubtype="0" fill="hold" grpId="0" nodeType="clickEffect">
+                                  <p:stCondLst>
+                                    <p:cond delay="0"/>
+                                  </p:stCondLst>
+                                  <p:childTnLst>
+                                    <p:set>
+                                      <p:cBhvr>
+                                        <p:cTn id="10" dur="1" fill="hold">
+                                          <p:stCondLst>
+                                            <p:cond delay="0"/>
+                                          </p:stCondLst>
+                                        </p:cTn>
+                                        <p:tgtEl>
+                                          <p:spTgt spid="14"/>
+                                        </p:tgtEl>
+                                        <p:attrNameLst>
+                                          <p:attrName>style.visibility</p:attrName>
+                                        </p:attrNameLst>
+                                      </p:cBhvr>
+                                      <p:to>
+                                        <p:strVal val="visible"/>
+                                      </p:to>
+                                    </p:set>
+                                  </p:childTnLst>
+                                </p:cTn>
+                              </p:par>
+                            </p:childTnLst>
+                          </p:cTn>
+                        </p:par>
+                      </p:childTnLst>
+                    </p:cTn>
+                  </p:par>
+                </p:childTnLst>
+              </p:cTn>
+              <p:prevCondLst>
+                <p:cond evt="onPrev" delay="0">
+                  <p:tgtEl>
+                    <p:sldTgt/>
+                  </p:tgtEl>
+                </p:cond>
+              </p:prevCondLst>
+              <p:nextCondLst>
+                <p:cond evt="onNext" delay="0">
+                  <p:tgtEl>
+                    <p:sldTgt/>
+                  </p:tgtEl>
+                </p:cond>
+              </p:nextCondLst>
+            </p:seq>
+          </p:childTnLst>
+        </p:cTn>
+      </p:par>
+    </p:tnLst>
+    <p:bldLst>
+      <p:bldP spid="10" grpId="0" animBg="1"/>
+      <p:bldP spid="14" grpId="0" animBg="1"/>
+    </p:bldLst>
+  </p:timing>
 </p:sld>
 </file>
 
@@ -7554,31 +8157,133 @@
       </p:sp>
       <p:sp>
         <p:nvSpPr>
-          <p:cNvPr id="2" name="Text Placeholder 1"/>
-          <p:cNvSpPr>
-            <a:spLocks noGrp="1"/>
-          </p:cNvSpPr>
-          <p:nvPr>
-            <p:ph type="body" sz="quarter" idx="10"/>
-          </p:nvPr>
+          <p:cNvPr id="6" name="Текстово поле 1">
+            <a:extLst>
+              <a:ext uri="{FF2B5EF4-FFF2-40B4-BE49-F238E27FC236}">
+                <a16:creationId xmlns:a16="http://schemas.microsoft.com/office/drawing/2014/main" id="{B398007E-9BC4-479A-87BF-1B270134F51F}"/>
+              </a:ext>
+            </a:extLst>
+          </p:cNvPr>
+          <p:cNvSpPr txBox="1"/>
+          <p:nvPr/>
         </p:nvSpPr>
         <p:spPr>
           <a:xfrm>
-            <a:off x="1529384" y="6400802"/>
-            <a:ext cx="10482604" cy="351754"/>
+            <a:off x="912812" y="6443888"/>
+            <a:ext cx="11216029" cy="369332"/>
           </a:xfrm>
+          <a:prstGeom prst="rect">
+            <a:avLst/>
+          </a:prstGeom>
+          <a:noFill/>
         </p:spPr>
         <p:txBody>
-          <a:bodyPr/>
-          <a:lstStyle/>
-          <a:p>
-            <a:r>
-              <a:rPr lang="en-US">
+          <a:bodyPr wrap="square" rtlCol="0">
+            <a:spAutoFit/>
+          </a:bodyPr>
+          <a:lstStyle>
+            <a:defPPr>
+              <a:defRPr lang="en-US"/>
+            </a:defPPr>
+            <a:lvl1pPr marL="0" algn="l" defTabSz="1218987" rtl="0" eaLnBrk="1" latinLnBrk="0" hangingPunct="1">
+              <a:defRPr sz="2400" kern="1200">
+                <a:solidFill>
+                  <a:schemeClr val="tx1"/>
+                </a:solidFill>
+                <a:latin typeface="+mn-lt"/>
+                <a:ea typeface="+mn-ea"/>
+                <a:cs typeface="+mn-cs"/>
+              </a:defRPr>
+            </a:lvl1pPr>
+            <a:lvl2pPr marL="609493" algn="l" defTabSz="1218987" rtl="0" eaLnBrk="1" latinLnBrk="0" hangingPunct="1">
+              <a:defRPr sz="2400" kern="1200">
+                <a:solidFill>
+                  <a:schemeClr val="tx1"/>
+                </a:solidFill>
+                <a:latin typeface="+mn-lt"/>
+                <a:ea typeface="+mn-ea"/>
+                <a:cs typeface="+mn-cs"/>
+              </a:defRPr>
+            </a:lvl2pPr>
+            <a:lvl3pPr marL="1218987" algn="l" defTabSz="1218987" rtl="0" eaLnBrk="1" latinLnBrk="0" hangingPunct="1">
+              <a:defRPr sz="2400" kern="1200">
+                <a:solidFill>
+                  <a:schemeClr val="tx1"/>
+                </a:solidFill>
+                <a:latin typeface="+mn-lt"/>
+                <a:ea typeface="+mn-ea"/>
+                <a:cs typeface="+mn-cs"/>
+              </a:defRPr>
+            </a:lvl3pPr>
+            <a:lvl4pPr marL="1828480" algn="l" defTabSz="1218987" rtl="0" eaLnBrk="1" latinLnBrk="0" hangingPunct="1">
+              <a:defRPr sz="2400" kern="1200">
+                <a:solidFill>
+                  <a:schemeClr val="tx1"/>
+                </a:solidFill>
+                <a:latin typeface="+mn-lt"/>
+                <a:ea typeface="+mn-ea"/>
+                <a:cs typeface="+mn-cs"/>
+              </a:defRPr>
+            </a:lvl4pPr>
+            <a:lvl5pPr marL="2437973" algn="l" defTabSz="1218987" rtl="0" eaLnBrk="1" latinLnBrk="0" hangingPunct="1">
+              <a:defRPr sz="2400" kern="1200">
+                <a:solidFill>
+                  <a:schemeClr val="tx1"/>
+                </a:solidFill>
+                <a:latin typeface="+mn-lt"/>
+                <a:ea typeface="+mn-ea"/>
+                <a:cs typeface="+mn-cs"/>
+              </a:defRPr>
+            </a:lvl5pPr>
+            <a:lvl6pPr marL="3047467" algn="l" defTabSz="1218987" rtl="0" eaLnBrk="1" latinLnBrk="0" hangingPunct="1">
+              <a:defRPr sz="2400" kern="1200">
+                <a:solidFill>
+                  <a:schemeClr val="tx1"/>
+                </a:solidFill>
+                <a:latin typeface="+mn-lt"/>
+                <a:ea typeface="+mn-ea"/>
+                <a:cs typeface="+mn-cs"/>
+              </a:defRPr>
+            </a:lvl6pPr>
+            <a:lvl7pPr marL="3656960" algn="l" defTabSz="1218987" rtl="0" eaLnBrk="1" latinLnBrk="0" hangingPunct="1">
+              <a:defRPr sz="2400" kern="1200">
+                <a:solidFill>
+                  <a:schemeClr val="tx1"/>
+                </a:solidFill>
+                <a:latin typeface="+mn-lt"/>
+                <a:ea typeface="+mn-ea"/>
+                <a:cs typeface="+mn-cs"/>
+              </a:defRPr>
+            </a:lvl7pPr>
+            <a:lvl8pPr marL="4266453" algn="l" defTabSz="1218987" rtl="0" eaLnBrk="1" latinLnBrk="0" hangingPunct="1">
+              <a:defRPr sz="2400" kern="1200">
+                <a:solidFill>
+                  <a:schemeClr val="tx1"/>
+                </a:solidFill>
+                <a:latin typeface="+mn-lt"/>
+                <a:ea typeface="+mn-ea"/>
+                <a:cs typeface="+mn-cs"/>
+              </a:defRPr>
+            </a:lvl8pPr>
+            <a:lvl9pPr marL="4875947" algn="l" defTabSz="1218987" rtl="0" eaLnBrk="1" latinLnBrk="0" hangingPunct="1">
+              <a:defRPr sz="2400" kern="1200">
+                <a:solidFill>
+                  <a:schemeClr val="tx1"/>
+                </a:solidFill>
+                <a:latin typeface="+mn-lt"/>
+                <a:ea typeface="+mn-ea"/>
+                <a:cs typeface="+mn-cs"/>
+              </a:defRPr>
+            </a:lvl9pPr>
+          </a:lstStyle>
+          <a:p>
+            <a:r>
+              <a:rPr lang="en-US" sz="1800" b="1" dirty="0">
                 <a:hlinkClick r:id="rId3"/>
               </a:rPr>
-              <a:t>https://it-kariera.mon.bg/e-learning/</a:t>
-            </a:r>
-            <a:endParaRPr lang="en-US"/>
+              <a:t>https://github.com/BG-IT-Edu/School-Programming/tree/main/Courses/Applied-Programmer/Programming-Basics</a:t>
+            </a:r>
+            <a:endParaRPr lang="bg-BG" sz="1800" b="1" dirty="0"/>
           </a:p>
         </p:txBody>
       </p:sp>
@@ -8342,6 +9047,134 @@
   <p:clrMapOvr>
     <a:masterClrMapping/>
   </p:clrMapOvr>
+  <p:timing>
+    <p:tnLst>
+      <p:par>
+        <p:cTn id="1" dur="indefinite" restart="never" nodeType="tmRoot">
+          <p:childTnLst>
+            <p:seq concurrent="1" nextAc="seek">
+              <p:cTn id="2" dur="indefinite" nodeType="mainSeq">
+                <p:childTnLst>
+                  <p:par>
+                    <p:cTn id="3" fill="hold">
+                      <p:stCondLst>
+                        <p:cond delay="indefinite"/>
+                      </p:stCondLst>
+                      <p:childTnLst>
+                        <p:par>
+                          <p:cTn id="4" fill="hold">
+                            <p:stCondLst>
+                              <p:cond delay="0"/>
+                            </p:stCondLst>
+                            <p:childTnLst>
+                              <p:par>
+                                <p:cTn id="5" presetID="1" presetClass="entr" presetSubtype="0" fill="hold" nodeType="clickEffect">
+                                  <p:stCondLst>
+                                    <p:cond delay="0"/>
+                                  </p:stCondLst>
+                                  <p:childTnLst>
+                                    <p:set>
+                                      <p:cBhvr>
+                                        <p:cTn id="6" dur="1" fill="hold">
+                                          <p:stCondLst>
+                                            <p:cond delay="0"/>
+                                          </p:stCondLst>
+                                        </p:cTn>
+                                        <p:tgtEl>
+                                          <p:spTgt spid="444419">
+                                            <p:txEl>
+                                              <p:pRg st="1" end="1"/>
+                                            </p:txEl>
+                                          </p:spTgt>
+                                        </p:tgtEl>
+                                        <p:attrNameLst>
+                                          <p:attrName>style.visibility</p:attrName>
+                                        </p:attrNameLst>
+                                      </p:cBhvr>
+                                      <p:to>
+                                        <p:strVal val="visible"/>
+                                      </p:to>
+                                    </p:set>
+                                  </p:childTnLst>
+                                </p:cTn>
+                              </p:par>
+                            </p:childTnLst>
+                          </p:cTn>
+                        </p:par>
+                      </p:childTnLst>
+                    </p:cTn>
+                  </p:par>
+                  <p:par>
+                    <p:cTn id="7" fill="hold">
+                      <p:stCondLst>
+                        <p:cond delay="indefinite"/>
+                      </p:stCondLst>
+                      <p:childTnLst>
+                        <p:par>
+                          <p:cTn id="8" fill="hold">
+                            <p:stCondLst>
+                              <p:cond delay="0"/>
+                            </p:stCondLst>
+                            <p:childTnLst>
+                              <p:par>
+                                <p:cTn id="9" presetID="1" presetClass="entr" presetSubtype="0" fill="hold" nodeType="clickEffect">
+                                  <p:stCondLst>
+                                    <p:cond delay="0"/>
+                                  </p:stCondLst>
+                                  <p:childTnLst>
+                                    <p:set>
+                                      <p:cBhvr>
+                                        <p:cTn id="10" dur="1" fill="hold">
+                                          <p:stCondLst>
+                                            <p:cond delay="0"/>
+                                          </p:stCondLst>
+                                        </p:cTn>
+                                        <p:tgtEl>
+                                          <p:spTgt spid="444419">
+                                            <p:txEl>
+                                              <p:pRg st="2" end="2"/>
+                                            </p:txEl>
+                                          </p:spTgt>
+                                        </p:tgtEl>
+                                        <p:attrNameLst>
+                                          <p:attrName>style.visibility</p:attrName>
+                                        </p:attrNameLst>
+                                      </p:cBhvr>
+                                      <p:to>
+                                        <p:strVal val="visible"/>
+                                      </p:to>
+                                    </p:set>
+                                  </p:childTnLst>
+                                </p:cTn>
+                              </p:par>
+                            </p:childTnLst>
+                          </p:cTn>
+                        </p:par>
+                      </p:childTnLst>
+                    </p:cTn>
+                  </p:par>
+                </p:childTnLst>
+              </p:cTn>
+              <p:prevCondLst>
+                <p:cond evt="onPrev" delay="0">
+                  <p:tgtEl>
+                    <p:sldTgt/>
+                  </p:tgtEl>
+                </p:cond>
+              </p:prevCondLst>
+              <p:nextCondLst>
+                <p:cond evt="onNext" delay="0">
+                  <p:tgtEl>
+                    <p:sldTgt/>
+                  </p:tgtEl>
+                </p:cond>
+              </p:nextCondLst>
+            </p:seq>
+          </p:childTnLst>
+        </p:cTn>
+      </p:par>
+    </p:tnLst>
+  </p:timing>
 </p:sld>
 </file>
 
@@ -9309,6 +10142,512 @@
   <p:clrMapOvr>
     <a:masterClrMapping/>
   </p:clrMapOvr>
+  <p:timing>
+    <p:tnLst>
+      <p:par>
+        <p:cTn id="1" dur="indefinite" restart="never" nodeType="tmRoot">
+          <p:childTnLst>
+            <p:seq concurrent="1" nextAc="seek">
+              <p:cTn id="2" dur="indefinite" nodeType="mainSeq">
+                <p:childTnLst>
+                  <p:par>
+                    <p:cTn id="3" fill="hold">
+                      <p:stCondLst>
+                        <p:cond delay="indefinite"/>
+                      </p:stCondLst>
+                      <p:childTnLst>
+                        <p:par>
+                          <p:cTn id="4" fill="hold">
+                            <p:stCondLst>
+                              <p:cond delay="0"/>
+                            </p:stCondLst>
+                            <p:childTnLst>
+                              <p:par>
+                                <p:cTn id="5" presetID="1" presetClass="entr" presetSubtype="0" fill="hold" nodeType="clickEffect">
+                                  <p:stCondLst>
+                                    <p:cond delay="0"/>
+                                  </p:stCondLst>
+                                  <p:childTnLst>
+                                    <p:set>
+                                      <p:cBhvr>
+                                        <p:cTn id="6" dur="1" fill="hold">
+                                          <p:stCondLst>
+                                            <p:cond delay="0"/>
+                                          </p:stCondLst>
+                                        </p:cTn>
+                                        <p:tgtEl>
+                                          <p:spTgt spid="5">
+                                            <p:txEl>
+                                              <p:pRg st="1" end="1"/>
+                                            </p:txEl>
+                                          </p:spTgt>
+                                        </p:tgtEl>
+                                        <p:attrNameLst>
+                                          <p:attrName>style.visibility</p:attrName>
+                                        </p:attrNameLst>
+                                      </p:cBhvr>
+                                      <p:to>
+                                        <p:strVal val="visible"/>
+                                      </p:to>
+                                    </p:set>
+                                  </p:childTnLst>
+                                </p:cTn>
+                              </p:par>
+                              <p:par>
+                                <p:cTn id="7" presetID="1" presetClass="entr" presetSubtype="0" fill="hold" grpId="0" nodeType="withEffect">
+                                  <p:stCondLst>
+                                    <p:cond delay="0"/>
+                                  </p:stCondLst>
+                                  <p:childTnLst>
+                                    <p:set>
+                                      <p:cBhvr>
+                                        <p:cTn id="8" dur="1" fill="hold">
+                                          <p:stCondLst>
+                                            <p:cond delay="0"/>
+                                          </p:stCondLst>
+                                        </p:cTn>
+                                        <p:tgtEl>
+                                          <p:spTgt spid="6"/>
+                                        </p:tgtEl>
+                                        <p:attrNameLst>
+                                          <p:attrName>style.visibility</p:attrName>
+                                        </p:attrNameLst>
+                                      </p:cBhvr>
+                                      <p:to>
+                                        <p:strVal val="visible"/>
+                                      </p:to>
+                                    </p:set>
+                                  </p:childTnLst>
+                                </p:cTn>
+                              </p:par>
+                              <p:par>
+                                <p:cTn id="9" presetID="1" presetClass="entr" presetSubtype="0" fill="hold" nodeType="withEffect">
+                                  <p:stCondLst>
+                                    <p:cond delay="0"/>
+                                  </p:stCondLst>
+                                  <p:childTnLst>
+                                    <p:set>
+                                      <p:cBhvr>
+                                        <p:cTn id="10" dur="1" fill="hold">
+                                          <p:stCondLst>
+                                            <p:cond delay="0"/>
+                                          </p:stCondLst>
+                                        </p:cTn>
+                                        <p:tgtEl>
+                                          <p:spTgt spid="6">
+                                            <p:txEl>
+                                              <p:pRg st="0" end="0"/>
+                                            </p:txEl>
+                                          </p:spTgt>
+                                        </p:tgtEl>
+                                        <p:attrNameLst>
+                                          <p:attrName>style.visibility</p:attrName>
+                                        </p:attrNameLst>
+                                      </p:cBhvr>
+                                      <p:to>
+                                        <p:strVal val="visible"/>
+                                      </p:to>
+                                    </p:set>
+                                  </p:childTnLst>
+                                </p:cTn>
+                              </p:par>
+                            </p:childTnLst>
+                          </p:cTn>
+                        </p:par>
+                      </p:childTnLst>
+                    </p:cTn>
+                  </p:par>
+                  <p:par>
+                    <p:cTn id="11" fill="hold">
+                      <p:stCondLst>
+                        <p:cond delay="indefinite"/>
+                      </p:stCondLst>
+                      <p:childTnLst>
+                        <p:par>
+                          <p:cTn id="12" fill="hold">
+                            <p:stCondLst>
+                              <p:cond delay="0"/>
+                            </p:stCondLst>
+                            <p:childTnLst>
+                              <p:par>
+                                <p:cTn id="13" presetID="1" presetClass="entr" presetSubtype="0" fill="hold" nodeType="clickEffect">
+                                  <p:stCondLst>
+                                    <p:cond delay="0"/>
+                                  </p:stCondLst>
+                                  <p:childTnLst>
+                                    <p:set>
+                                      <p:cBhvr>
+                                        <p:cTn id="14" dur="1" fill="hold">
+                                          <p:stCondLst>
+                                            <p:cond delay="0"/>
+                                          </p:stCondLst>
+                                        </p:cTn>
+                                        <p:tgtEl>
+                                          <p:spTgt spid="6">
+                                            <p:txEl>
+                                              <p:pRg st="1" end="1"/>
+                                            </p:txEl>
+                                          </p:spTgt>
+                                        </p:tgtEl>
+                                        <p:attrNameLst>
+                                          <p:attrName>style.visibility</p:attrName>
+                                        </p:attrNameLst>
+                                      </p:cBhvr>
+                                      <p:to>
+                                        <p:strVal val="visible"/>
+                                      </p:to>
+                                    </p:set>
+                                  </p:childTnLst>
+                                </p:cTn>
+                              </p:par>
+                              <p:par>
+                                <p:cTn id="15" presetID="1" presetClass="entr" presetSubtype="0" fill="hold" nodeType="withEffect">
+                                  <p:stCondLst>
+                                    <p:cond delay="0"/>
+                                  </p:stCondLst>
+                                  <p:childTnLst>
+                                    <p:set>
+                                      <p:cBhvr>
+                                        <p:cTn id="16" dur="1" fill="hold">
+                                          <p:stCondLst>
+                                            <p:cond delay="0"/>
+                                          </p:stCondLst>
+                                        </p:cTn>
+                                        <p:tgtEl>
+                                          <p:spTgt spid="6">
+                                            <p:txEl>
+                                              <p:pRg st="2" end="2"/>
+                                            </p:txEl>
+                                          </p:spTgt>
+                                        </p:tgtEl>
+                                        <p:attrNameLst>
+                                          <p:attrName>style.visibility</p:attrName>
+                                        </p:attrNameLst>
+                                      </p:cBhvr>
+                                      <p:to>
+                                        <p:strVal val="visible"/>
+                                      </p:to>
+                                    </p:set>
+                                  </p:childTnLst>
+                                </p:cTn>
+                              </p:par>
+                            </p:childTnLst>
+                          </p:cTn>
+                        </p:par>
+                      </p:childTnLst>
+                    </p:cTn>
+                  </p:par>
+                  <p:par>
+                    <p:cTn id="17" fill="hold">
+                      <p:stCondLst>
+                        <p:cond delay="indefinite"/>
+                      </p:stCondLst>
+                      <p:childTnLst>
+                        <p:par>
+                          <p:cTn id="18" fill="hold">
+                            <p:stCondLst>
+                              <p:cond delay="0"/>
+                            </p:stCondLst>
+                            <p:childTnLst>
+                              <p:par>
+                                <p:cTn id="19" presetID="1" presetClass="entr" presetSubtype="0" fill="hold" nodeType="clickEffect">
+                                  <p:stCondLst>
+                                    <p:cond delay="0"/>
+                                  </p:stCondLst>
+                                  <p:childTnLst>
+                                    <p:set>
+                                      <p:cBhvr>
+                                        <p:cTn id="20" dur="1" fill="hold">
+                                          <p:stCondLst>
+                                            <p:cond delay="0"/>
+                                          </p:stCondLst>
+                                        </p:cTn>
+                                        <p:tgtEl>
+                                          <p:spTgt spid="6">
+                                            <p:txEl>
+                                              <p:pRg st="3" end="3"/>
+                                            </p:txEl>
+                                          </p:spTgt>
+                                        </p:tgtEl>
+                                        <p:attrNameLst>
+                                          <p:attrName>style.visibility</p:attrName>
+                                        </p:attrNameLst>
+                                      </p:cBhvr>
+                                      <p:to>
+                                        <p:strVal val="visible"/>
+                                      </p:to>
+                                    </p:set>
+                                  </p:childTnLst>
+                                </p:cTn>
+                              </p:par>
+                              <p:par>
+                                <p:cTn id="21" presetID="1" presetClass="entr" presetSubtype="0" fill="hold" nodeType="withEffect">
+                                  <p:stCondLst>
+                                    <p:cond delay="0"/>
+                                  </p:stCondLst>
+                                  <p:childTnLst>
+                                    <p:set>
+                                      <p:cBhvr>
+                                        <p:cTn id="22" dur="1" fill="hold">
+                                          <p:stCondLst>
+                                            <p:cond delay="0"/>
+                                          </p:stCondLst>
+                                        </p:cTn>
+                                        <p:tgtEl>
+                                          <p:spTgt spid="6">
+                                            <p:txEl>
+                                              <p:pRg st="4" end="4"/>
+                                            </p:txEl>
+                                          </p:spTgt>
+                                        </p:tgtEl>
+                                        <p:attrNameLst>
+                                          <p:attrName>style.visibility</p:attrName>
+                                        </p:attrNameLst>
+                                      </p:cBhvr>
+                                      <p:to>
+                                        <p:strVal val="visible"/>
+                                      </p:to>
+                                    </p:set>
+                                  </p:childTnLst>
+                                </p:cTn>
+                              </p:par>
+                            </p:childTnLst>
+                          </p:cTn>
+                        </p:par>
+                      </p:childTnLst>
+                    </p:cTn>
+                  </p:par>
+                  <p:par>
+                    <p:cTn id="23" fill="hold">
+                      <p:stCondLst>
+                        <p:cond delay="indefinite"/>
+                      </p:stCondLst>
+                      <p:childTnLst>
+                        <p:par>
+                          <p:cTn id="24" fill="hold">
+                            <p:stCondLst>
+                              <p:cond delay="0"/>
+                            </p:stCondLst>
+                            <p:childTnLst>
+                              <p:par>
+                                <p:cTn id="25" presetID="1" presetClass="entr" presetSubtype="0" fill="hold" nodeType="clickEffect">
+                                  <p:stCondLst>
+                                    <p:cond delay="0"/>
+                                  </p:stCondLst>
+                                  <p:childTnLst>
+                                    <p:set>
+                                      <p:cBhvr>
+                                        <p:cTn id="26" dur="1" fill="hold">
+                                          <p:stCondLst>
+                                            <p:cond delay="0"/>
+                                          </p:stCondLst>
+                                        </p:cTn>
+                                        <p:tgtEl>
+                                          <p:spTgt spid="6">
+                                            <p:txEl>
+                                              <p:pRg st="5" end="5"/>
+                                            </p:txEl>
+                                          </p:spTgt>
+                                        </p:tgtEl>
+                                        <p:attrNameLst>
+                                          <p:attrName>style.visibility</p:attrName>
+                                        </p:attrNameLst>
+                                      </p:cBhvr>
+                                      <p:to>
+                                        <p:strVal val="visible"/>
+                                      </p:to>
+                                    </p:set>
+                                  </p:childTnLst>
+                                </p:cTn>
+                              </p:par>
+                              <p:par>
+                                <p:cTn id="27" presetID="1" presetClass="entr" presetSubtype="0" fill="hold" nodeType="withEffect">
+                                  <p:stCondLst>
+                                    <p:cond delay="0"/>
+                                  </p:stCondLst>
+                                  <p:childTnLst>
+                                    <p:set>
+                                      <p:cBhvr>
+                                        <p:cTn id="28" dur="1" fill="hold">
+                                          <p:stCondLst>
+                                            <p:cond delay="0"/>
+                                          </p:stCondLst>
+                                        </p:cTn>
+                                        <p:tgtEl>
+                                          <p:spTgt spid="6">
+                                            <p:txEl>
+                                              <p:pRg st="6" end="6"/>
+                                            </p:txEl>
+                                          </p:spTgt>
+                                        </p:tgtEl>
+                                        <p:attrNameLst>
+                                          <p:attrName>style.visibility</p:attrName>
+                                        </p:attrNameLst>
+                                      </p:cBhvr>
+                                      <p:to>
+                                        <p:strVal val="visible"/>
+                                      </p:to>
+                                    </p:set>
+                                  </p:childTnLst>
+                                </p:cTn>
+                              </p:par>
+                            </p:childTnLst>
+                          </p:cTn>
+                        </p:par>
+                      </p:childTnLst>
+                    </p:cTn>
+                  </p:par>
+                  <p:par>
+                    <p:cTn id="29" fill="hold">
+                      <p:stCondLst>
+                        <p:cond delay="indefinite"/>
+                      </p:stCondLst>
+                      <p:childTnLst>
+                        <p:par>
+                          <p:cTn id="30" fill="hold">
+                            <p:stCondLst>
+                              <p:cond delay="0"/>
+                            </p:stCondLst>
+                            <p:childTnLst>
+                              <p:par>
+                                <p:cTn id="31" presetID="1" presetClass="entr" presetSubtype="0" fill="hold" nodeType="clickEffect">
+                                  <p:stCondLst>
+                                    <p:cond delay="0"/>
+                                  </p:stCondLst>
+                                  <p:childTnLst>
+                                    <p:set>
+                                      <p:cBhvr>
+                                        <p:cTn id="32" dur="1" fill="hold">
+                                          <p:stCondLst>
+                                            <p:cond delay="0"/>
+                                          </p:stCondLst>
+                                        </p:cTn>
+                                        <p:tgtEl>
+                                          <p:spTgt spid="6">
+                                            <p:txEl>
+                                              <p:pRg st="7" end="7"/>
+                                            </p:txEl>
+                                          </p:spTgt>
+                                        </p:tgtEl>
+                                        <p:attrNameLst>
+                                          <p:attrName>style.visibility</p:attrName>
+                                        </p:attrNameLst>
+                                      </p:cBhvr>
+                                      <p:to>
+                                        <p:strVal val="visible"/>
+                                      </p:to>
+                                    </p:set>
+                                  </p:childTnLst>
+                                </p:cTn>
+                              </p:par>
+                              <p:par>
+                                <p:cTn id="33" presetID="1" presetClass="entr" presetSubtype="0" fill="hold" nodeType="withEffect">
+                                  <p:stCondLst>
+                                    <p:cond delay="0"/>
+                                  </p:stCondLst>
+                                  <p:childTnLst>
+                                    <p:set>
+                                      <p:cBhvr>
+                                        <p:cTn id="34" dur="1" fill="hold">
+                                          <p:stCondLst>
+                                            <p:cond delay="0"/>
+                                          </p:stCondLst>
+                                        </p:cTn>
+                                        <p:tgtEl>
+                                          <p:spTgt spid="6">
+                                            <p:txEl>
+                                              <p:pRg st="8" end="8"/>
+                                            </p:txEl>
+                                          </p:spTgt>
+                                        </p:tgtEl>
+                                        <p:attrNameLst>
+                                          <p:attrName>style.visibility</p:attrName>
+                                        </p:attrNameLst>
+                                      </p:cBhvr>
+                                      <p:to>
+                                        <p:strVal val="visible"/>
+                                      </p:to>
+                                    </p:set>
+                                  </p:childTnLst>
+                                </p:cTn>
+                              </p:par>
+                            </p:childTnLst>
+                          </p:cTn>
+                        </p:par>
+                      </p:childTnLst>
+                    </p:cTn>
+                  </p:par>
+                  <p:par>
+                    <p:cTn id="35" fill="hold">
+                      <p:stCondLst>
+                        <p:cond delay="indefinite"/>
+                      </p:stCondLst>
+                      <p:childTnLst>
+                        <p:par>
+                          <p:cTn id="36" fill="hold">
+                            <p:stCondLst>
+                              <p:cond delay="0"/>
+                            </p:stCondLst>
+                            <p:childTnLst>
+                              <p:par>
+                                <p:cTn id="37" presetID="1" presetClass="entr" presetSubtype="0" fill="hold" grpId="0" nodeType="clickEffect">
+                                  <p:stCondLst>
+                                    <p:cond delay="0"/>
+                                  </p:stCondLst>
+                                  <p:childTnLst>
+                                    <p:set>
+                                      <p:cBhvr>
+                                        <p:cTn id="38" dur="1" fill="hold">
+                                          <p:stCondLst>
+                                            <p:cond delay="0"/>
+                                          </p:stCondLst>
+                                        </p:cTn>
+                                        <p:tgtEl>
+                                          <p:spTgt spid="2"/>
+                                        </p:tgtEl>
+                                        <p:attrNameLst>
+                                          <p:attrName>style.visibility</p:attrName>
+                                        </p:attrNameLst>
+                                      </p:cBhvr>
+                                      <p:to>
+                                        <p:strVal val="visible"/>
+                                      </p:to>
+                                    </p:set>
+                                  </p:childTnLst>
+                                </p:cTn>
+                              </p:par>
+                            </p:childTnLst>
+                          </p:cTn>
+                        </p:par>
+                      </p:childTnLst>
+                    </p:cTn>
+                  </p:par>
+                </p:childTnLst>
+              </p:cTn>
+              <p:prevCondLst>
+                <p:cond evt="onPrev" delay="0">
+                  <p:tgtEl>
+                    <p:sldTgt/>
+                  </p:tgtEl>
+                </p:cond>
+              </p:prevCondLst>
+              <p:nextCondLst>
+                <p:cond evt="onNext" delay="0">
+                  <p:tgtEl>
+                    <p:sldTgt/>
+                  </p:tgtEl>
+                </p:cond>
+              </p:nextCondLst>
+            </p:seq>
+          </p:childTnLst>
+        </p:cTn>
+      </p:par>
+    </p:tnLst>
+    <p:bldLst>
+      <p:bldP spid="6" grpId="0" animBg="1"/>
+      <p:bldP spid="2" grpId="0"/>
+    </p:bldLst>
+  </p:timing>
 </p:sld>
 </file>
 
@@ -9679,6 +11018,343 @@
   <p:clrMapOvr>
     <a:masterClrMapping/>
   </p:clrMapOvr>
+  <p:timing>
+    <p:tnLst>
+      <p:par>
+        <p:cTn id="1" dur="indefinite" restart="never" nodeType="tmRoot">
+          <p:childTnLst>
+            <p:seq concurrent="1" nextAc="seek">
+              <p:cTn id="2" dur="indefinite" nodeType="mainSeq">
+                <p:childTnLst>
+                  <p:par>
+                    <p:cTn id="3" fill="hold">
+                      <p:stCondLst>
+                        <p:cond delay="indefinite"/>
+                      </p:stCondLst>
+                      <p:childTnLst>
+                        <p:par>
+                          <p:cTn id="4" fill="hold">
+                            <p:stCondLst>
+                              <p:cond delay="0"/>
+                            </p:stCondLst>
+                            <p:childTnLst>
+                              <p:par>
+                                <p:cTn id="5" presetID="1" presetClass="entr" presetSubtype="0" fill="hold" nodeType="clickEffect">
+                                  <p:stCondLst>
+                                    <p:cond delay="0"/>
+                                  </p:stCondLst>
+                                  <p:childTnLst>
+                                    <p:set>
+                                      <p:cBhvr>
+                                        <p:cTn id="6" dur="1" fill="hold">
+                                          <p:stCondLst>
+                                            <p:cond delay="0"/>
+                                          </p:stCondLst>
+                                        </p:cTn>
+                                        <p:tgtEl>
+                                          <p:spTgt spid="3">
+                                            <p:txEl>
+                                              <p:pRg st="1" end="1"/>
+                                            </p:txEl>
+                                          </p:spTgt>
+                                        </p:tgtEl>
+                                        <p:attrNameLst>
+                                          <p:attrName>style.visibility</p:attrName>
+                                        </p:attrNameLst>
+                                      </p:cBhvr>
+                                      <p:to>
+                                        <p:strVal val="visible"/>
+                                      </p:to>
+                                    </p:set>
+                                  </p:childTnLst>
+                                </p:cTn>
+                              </p:par>
+                            </p:childTnLst>
+                          </p:cTn>
+                        </p:par>
+                      </p:childTnLst>
+                    </p:cTn>
+                  </p:par>
+                  <p:par>
+                    <p:cTn id="7" fill="hold">
+                      <p:stCondLst>
+                        <p:cond delay="indefinite"/>
+                      </p:stCondLst>
+                      <p:childTnLst>
+                        <p:par>
+                          <p:cTn id="8" fill="hold">
+                            <p:stCondLst>
+                              <p:cond delay="0"/>
+                            </p:stCondLst>
+                            <p:childTnLst>
+                              <p:par>
+                                <p:cTn id="9" presetID="1" presetClass="entr" presetSubtype="0" fill="hold" nodeType="clickEffect">
+                                  <p:stCondLst>
+                                    <p:cond delay="0"/>
+                                  </p:stCondLst>
+                                  <p:childTnLst>
+                                    <p:set>
+                                      <p:cBhvr>
+                                        <p:cTn id="10" dur="1" fill="hold">
+                                          <p:stCondLst>
+                                            <p:cond delay="0"/>
+                                          </p:stCondLst>
+                                        </p:cTn>
+                                        <p:tgtEl>
+                                          <p:spTgt spid="3">
+                                            <p:txEl>
+                                              <p:pRg st="2" end="2"/>
+                                            </p:txEl>
+                                          </p:spTgt>
+                                        </p:tgtEl>
+                                        <p:attrNameLst>
+                                          <p:attrName>style.visibility</p:attrName>
+                                        </p:attrNameLst>
+                                      </p:cBhvr>
+                                      <p:to>
+                                        <p:strVal val="visible"/>
+                                      </p:to>
+                                    </p:set>
+                                  </p:childTnLst>
+                                </p:cTn>
+                              </p:par>
+                            </p:childTnLst>
+                          </p:cTn>
+                        </p:par>
+                      </p:childTnLst>
+                    </p:cTn>
+                  </p:par>
+                  <p:par>
+                    <p:cTn id="11" fill="hold">
+                      <p:stCondLst>
+                        <p:cond delay="indefinite"/>
+                      </p:stCondLst>
+                      <p:childTnLst>
+                        <p:par>
+                          <p:cTn id="12" fill="hold">
+                            <p:stCondLst>
+                              <p:cond delay="0"/>
+                            </p:stCondLst>
+                            <p:childTnLst>
+                              <p:par>
+                                <p:cTn id="13" presetID="1" presetClass="entr" presetSubtype="0" fill="hold" nodeType="clickEffect">
+                                  <p:stCondLst>
+                                    <p:cond delay="0"/>
+                                  </p:stCondLst>
+                                  <p:childTnLst>
+                                    <p:set>
+                                      <p:cBhvr>
+                                        <p:cTn id="14" dur="1" fill="hold">
+                                          <p:stCondLst>
+                                            <p:cond delay="0"/>
+                                          </p:stCondLst>
+                                        </p:cTn>
+                                        <p:tgtEl>
+                                          <p:spTgt spid="3">
+                                            <p:txEl>
+                                              <p:pRg st="3" end="3"/>
+                                            </p:txEl>
+                                          </p:spTgt>
+                                        </p:tgtEl>
+                                        <p:attrNameLst>
+                                          <p:attrName>style.visibility</p:attrName>
+                                        </p:attrNameLst>
+                                      </p:cBhvr>
+                                      <p:to>
+                                        <p:strVal val="visible"/>
+                                      </p:to>
+                                    </p:set>
+                                  </p:childTnLst>
+                                </p:cTn>
+                              </p:par>
+                            </p:childTnLst>
+                          </p:cTn>
+                        </p:par>
+                      </p:childTnLst>
+                    </p:cTn>
+                  </p:par>
+                  <p:par>
+                    <p:cTn id="15" fill="hold">
+                      <p:stCondLst>
+                        <p:cond delay="indefinite"/>
+                      </p:stCondLst>
+                      <p:childTnLst>
+                        <p:par>
+                          <p:cTn id="16" fill="hold">
+                            <p:stCondLst>
+                              <p:cond delay="0"/>
+                            </p:stCondLst>
+                            <p:childTnLst>
+                              <p:par>
+                                <p:cTn id="17" presetID="1" presetClass="entr" presetSubtype="0" fill="hold" nodeType="clickEffect">
+                                  <p:stCondLst>
+                                    <p:cond delay="0"/>
+                                  </p:stCondLst>
+                                  <p:childTnLst>
+                                    <p:set>
+                                      <p:cBhvr>
+                                        <p:cTn id="18" dur="1" fill="hold">
+                                          <p:stCondLst>
+                                            <p:cond delay="0"/>
+                                          </p:stCondLst>
+                                        </p:cTn>
+                                        <p:tgtEl>
+                                          <p:spTgt spid="3">
+                                            <p:txEl>
+                                              <p:pRg st="4" end="4"/>
+                                            </p:txEl>
+                                          </p:spTgt>
+                                        </p:tgtEl>
+                                        <p:attrNameLst>
+                                          <p:attrName>style.visibility</p:attrName>
+                                        </p:attrNameLst>
+                                      </p:cBhvr>
+                                      <p:to>
+                                        <p:strVal val="visible"/>
+                                      </p:to>
+                                    </p:set>
+                                  </p:childTnLst>
+                                </p:cTn>
+                              </p:par>
+                              <p:par>
+                                <p:cTn id="19" presetID="1" presetClass="entr" presetSubtype="0" fill="hold" nodeType="withEffect">
+                                  <p:stCondLst>
+                                    <p:cond delay="0"/>
+                                  </p:stCondLst>
+                                  <p:childTnLst>
+                                    <p:set>
+                                      <p:cBhvr>
+                                        <p:cTn id="20" dur="1" fill="hold">
+                                          <p:stCondLst>
+                                            <p:cond delay="0"/>
+                                          </p:stCondLst>
+                                        </p:cTn>
+                                        <p:tgtEl>
+                                          <p:spTgt spid="3">
+                                            <p:txEl>
+                                              <p:pRg st="5" end="5"/>
+                                            </p:txEl>
+                                          </p:spTgt>
+                                        </p:tgtEl>
+                                        <p:attrNameLst>
+                                          <p:attrName>style.visibility</p:attrName>
+                                        </p:attrNameLst>
+                                      </p:cBhvr>
+                                      <p:to>
+                                        <p:strVal val="visible"/>
+                                      </p:to>
+                                    </p:set>
+                                  </p:childTnLst>
+                                </p:cTn>
+                              </p:par>
+                              <p:par>
+                                <p:cTn id="21" presetID="1" presetClass="entr" presetSubtype="0" fill="hold" nodeType="withEffect">
+                                  <p:stCondLst>
+                                    <p:cond delay="0"/>
+                                  </p:stCondLst>
+                                  <p:childTnLst>
+                                    <p:set>
+                                      <p:cBhvr>
+                                        <p:cTn id="22" dur="1" fill="hold">
+                                          <p:stCondLst>
+                                            <p:cond delay="0"/>
+                                          </p:stCondLst>
+                                        </p:cTn>
+                                        <p:tgtEl>
+                                          <p:spTgt spid="3">
+                                            <p:txEl>
+                                              <p:pRg st="6" end="6"/>
+                                            </p:txEl>
+                                          </p:spTgt>
+                                        </p:tgtEl>
+                                        <p:attrNameLst>
+                                          <p:attrName>style.visibility</p:attrName>
+                                        </p:attrNameLst>
+                                      </p:cBhvr>
+                                      <p:to>
+                                        <p:strVal val="visible"/>
+                                      </p:to>
+                                    </p:set>
+                                  </p:childTnLst>
+                                </p:cTn>
+                              </p:par>
+                            </p:childTnLst>
+                          </p:cTn>
+                        </p:par>
+                      </p:childTnLst>
+                    </p:cTn>
+                  </p:par>
+                  <p:par>
+                    <p:cTn id="23" fill="hold">
+                      <p:stCondLst>
+                        <p:cond delay="indefinite"/>
+                      </p:stCondLst>
+                      <p:childTnLst>
+                        <p:par>
+                          <p:cTn id="24" fill="hold">
+                            <p:stCondLst>
+                              <p:cond delay="0"/>
+                            </p:stCondLst>
+                            <p:childTnLst>
+                              <p:par>
+                                <p:cTn id="25" presetID="1" presetClass="entr" presetSubtype="0" fill="hold" nodeType="clickEffect">
+                                  <p:stCondLst>
+                                    <p:cond delay="0"/>
+                                  </p:stCondLst>
+                                  <p:childTnLst>
+                                    <p:set>
+                                      <p:cBhvr>
+                                        <p:cTn id="26" dur="1" fill="hold">
+                                          <p:stCondLst>
+                                            <p:cond delay="0"/>
+                                          </p:stCondLst>
+                                        </p:cTn>
+                                        <p:tgtEl>
+                                          <p:spTgt spid="3">
+                                            <p:txEl>
+                                              <p:pRg st="7" end="7"/>
+                                            </p:txEl>
+                                          </p:spTgt>
+                                        </p:tgtEl>
+                                        <p:attrNameLst>
+                                          <p:attrName>style.visibility</p:attrName>
+                                        </p:attrNameLst>
+                                      </p:cBhvr>
+                                      <p:to>
+                                        <p:strVal val="visible"/>
+                                      </p:to>
+                                    </p:set>
+                                  </p:childTnLst>
+                                </p:cTn>
+                              </p:par>
+                            </p:childTnLst>
+                          </p:cTn>
+                        </p:par>
+                      </p:childTnLst>
+                    </p:cTn>
+                  </p:par>
+                </p:childTnLst>
+              </p:cTn>
+              <p:prevCondLst>
+                <p:cond evt="onPrev" delay="0">
+                  <p:tgtEl>
+                    <p:sldTgt/>
+                  </p:tgtEl>
+                </p:cond>
+              </p:prevCondLst>
+              <p:nextCondLst>
+                <p:cond evt="onNext" delay="0">
+                  <p:tgtEl>
+                    <p:sldTgt/>
+                  </p:tgtEl>
+                </p:cond>
+              </p:nextCondLst>
+            </p:seq>
+          </p:childTnLst>
+        </p:cTn>
+      </p:par>
+    </p:tnLst>
+  </p:timing>
 </p:sld>
 </file>
 
@@ -10986,6 +12662,780 @@
   <p:clrMapOvr>
     <a:masterClrMapping/>
   </p:clrMapOvr>
+  <p:timing>
+    <p:tnLst>
+      <p:par>
+        <p:cTn id="1" dur="indefinite" restart="never" nodeType="tmRoot">
+          <p:childTnLst>
+            <p:seq concurrent="1" nextAc="seek">
+              <p:cTn id="2" dur="indefinite" nodeType="mainSeq">
+                <p:childTnLst>
+                  <p:par>
+                    <p:cTn id="3" fill="hold">
+                      <p:stCondLst>
+                        <p:cond delay="indefinite"/>
+                        <p:cond evt="onBegin" delay="0">
+                          <p:tn val="2"/>
+                        </p:cond>
+                      </p:stCondLst>
+                      <p:childTnLst>
+                        <p:par>
+                          <p:cTn id="4" fill="hold">
+                            <p:stCondLst>
+                              <p:cond delay="0"/>
+                            </p:stCondLst>
+                            <p:childTnLst>
+                              <p:par>
+                                <p:cTn id="5" presetID="1" presetClass="entr" presetSubtype="0" fill="hold" grpId="0" nodeType="withEffect">
+                                  <p:stCondLst>
+                                    <p:cond delay="0"/>
+                                  </p:stCondLst>
+                                  <p:childTnLst>
+                                    <p:set>
+                                      <p:cBhvr>
+                                        <p:cTn id="6" dur="1" fill="hold">
+                                          <p:stCondLst>
+                                            <p:cond delay="0"/>
+                                          </p:stCondLst>
+                                        </p:cTn>
+                                        <p:tgtEl>
+                                          <p:spTgt spid="5"/>
+                                        </p:tgtEl>
+                                        <p:attrNameLst>
+                                          <p:attrName>style.visibility</p:attrName>
+                                        </p:attrNameLst>
+                                      </p:cBhvr>
+                                      <p:to>
+                                        <p:strVal val="visible"/>
+                                      </p:to>
+                                    </p:set>
+                                  </p:childTnLst>
+                                </p:cTn>
+                              </p:par>
+                              <p:par>
+                                <p:cTn id="7" presetID="1" presetClass="entr" presetSubtype="0" fill="hold" grpId="0" nodeType="withEffect">
+                                  <p:stCondLst>
+                                    <p:cond delay="0"/>
+                                  </p:stCondLst>
+                                  <p:childTnLst>
+                                    <p:set>
+                                      <p:cBhvr>
+                                        <p:cTn id="8" dur="1" fill="hold">
+                                          <p:stCondLst>
+                                            <p:cond delay="0"/>
+                                          </p:stCondLst>
+                                        </p:cTn>
+                                        <p:tgtEl>
+                                          <p:spTgt spid="9"/>
+                                        </p:tgtEl>
+                                        <p:attrNameLst>
+                                          <p:attrName>style.visibility</p:attrName>
+                                        </p:attrNameLst>
+                                      </p:cBhvr>
+                                      <p:to>
+                                        <p:strVal val="visible"/>
+                                      </p:to>
+                                    </p:set>
+                                  </p:childTnLst>
+                                </p:cTn>
+                              </p:par>
+                              <p:par>
+                                <p:cTn id="9" presetID="1" presetClass="entr" presetSubtype="0" fill="hold" grpId="0" nodeType="withEffect">
+                                  <p:stCondLst>
+                                    <p:cond delay="0"/>
+                                  </p:stCondLst>
+                                  <p:childTnLst>
+                                    <p:set>
+                                      <p:cBhvr>
+                                        <p:cTn id="10" dur="1" fill="hold">
+                                          <p:stCondLst>
+                                            <p:cond delay="0"/>
+                                          </p:stCondLst>
+                                        </p:cTn>
+                                        <p:tgtEl>
+                                          <p:spTgt spid="12"/>
+                                        </p:tgtEl>
+                                        <p:attrNameLst>
+                                          <p:attrName>style.visibility</p:attrName>
+                                        </p:attrNameLst>
+                                      </p:cBhvr>
+                                      <p:to>
+                                        <p:strVal val="visible"/>
+                                      </p:to>
+                                    </p:set>
+                                  </p:childTnLst>
+                                </p:cTn>
+                              </p:par>
+                              <p:par>
+                                <p:cTn id="11" presetID="1" presetClass="entr" presetSubtype="0" fill="hold" grpId="0" nodeType="withEffect">
+                                  <p:stCondLst>
+                                    <p:cond delay="0"/>
+                                  </p:stCondLst>
+                                  <p:childTnLst>
+                                    <p:set>
+                                      <p:cBhvr>
+                                        <p:cTn id="12" dur="1" fill="hold">
+                                          <p:stCondLst>
+                                            <p:cond delay="0"/>
+                                          </p:stCondLst>
+                                        </p:cTn>
+                                        <p:tgtEl>
+                                          <p:spTgt spid="8"/>
+                                        </p:tgtEl>
+                                        <p:attrNameLst>
+                                          <p:attrName>style.visibility</p:attrName>
+                                        </p:attrNameLst>
+                                      </p:cBhvr>
+                                      <p:to>
+                                        <p:strVal val="visible"/>
+                                      </p:to>
+                                    </p:set>
+                                  </p:childTnLst>
+                                </p:cTn>
+                              </p:par>
+                              <p:par>
+                                <p:cTn id="13" presetID="1" presetClass="entr" presetSubtype="0" fill="hold" grpId="0" nodeType="withEffect">
+                                  <p:stCondLst>
+                                    <p:cond delay="0"/>
+                                  </p:stCondLst>
+                                  <p:childTnLst>
+                                    <p:set>
+                                      <p:cBhvr>
+                                        <p:cTn id="14" dur="1" fill="hold">
+                                          <p:stCondLst>
+                                            <p:cond delay="0"/>
+                                          </p:stCondLst>
+                                        </p:cTn>
+                                        <p:tgtEl>
+                                          <p:spTgt spid="14"/>
+                                        </p:tgtEl>
+                                        <p:attrNameLst>
+                                          <p:attrName>style.visibility</p:attrName>
+                                        </p:attrNameLst>
+                                      </p:cBhvr>
+                                      <p:to>
+                                        <p:strVal val="visible"/>
+                                      </p:to>
+                                    </p:set>
+                                  </p:childTnLst>
+                                </p:cTn>
+                              </p:par>
+                              <p:par>
+                                <p:cTn id="15" presetID="1" presetClass="entr" presetSubtype="0" fill="hold" grpId="0" nodeType="withEffect">
+                                  <p:stCondLst>
+                                    <p:cond delay="0"/>
+                                  </p:stCondLst>
+                                  <p:childTnLst>
+                                    <p:set>
+                                      <p:cBhvr>
+                                        <p:cTn id="16" dur="1" fill="hold">
+                                          <p:stCondLst>
+                                            <p:cond delay="0"/>
+                                          </p:stCondLst>
+                                        </p:cTn>
+                                        <p:tgtEl>
+                                          <p:spTgt spid="15"/>
+                                        </p:tgtEl>
+                                        <p:attrNameLst>
+                                          <p:attrName>style.visibility</p:attrName>
+                                        </p:attrNameLst>
+                                      </p:cBhvr>
+                                      <p:to>
+                                        <p:strVal val="visible"/>
+                                      </p:to>
+                                    </p:set>
+                                  </p:childTnLst>
+                                </p:cTn>
+                              </p:par>
+                              <p:par>
+                                <p:cTn id="17" presetID="1" presetClass="entr" presetSubtype="0" fill="hold" grpId="0" nodeType="withEffect">
+                                  <p:stCondLst>
+                                    <p:cond delay="0"/>
+                                  </p:stCondLst>
+                                  <p:childTnLst>
+                                    <p:set>
+                                      <p:cBhvr>
+                                        <p:cTn id="18" dur="1" fill="hold">
+                                          <p:stCondLst>
+                                            <p:cond delay="0"/>
+                                          </p:stCondLst>
+                                        </p:cTn>
+                                        <p:tgtEl>
+                                          <p:spTgt spid="13"/>
+                                        </p:tgtEl>
+                                        <p:attrNameLst>
+                                          <p:attrName>style.visibility</p:attrName>
+                                        </p:attrNameLst>
+                                      </p:cBhvr>
+                                      <p:to>
+                                        <p:strVal val="visible"/>
+                                      </p:to>
+                                    </p:set>
+                                  </p:childTnLst>
+                                </p:cTn>
+                              </p:par>
+                              <p:par>
+                                <p:cTn id="19" presetID="1" presetClass="entr" presetSubtype="0" fill="hold" grpId="0" nodeType="withEffect">
+                                  <p:stCondLst>
+                                    <p:cond delay="0"/>
+                                  </p:stCondLst>
+                                  <p:childTnLst>
+                                    <p:set>
+                                      <p:cBhvr>
+                                        <p:cTn id="20" dur="1" fill="hold">
+                                          <p:stCondLst>
+                                            <p:cond delay="0"/>
+                                          </p:stCondLst>
+                                        </p:cTn>
+                                        <p:tgtEl>
+                                          <p:spTgt spid="17"/>
+                                        </p:tgtEl>
+                                        <p:attrNameLst>
+                                          <p:attrName>style.visibility</p:attrName>
+                                        </p:attrNameLst>
+                                      </p:cBhvr>
+                                      <p:to>
+                                        <p:strVal val="visible"/>
+                                      </p:to>
+                                    </p:set>
+                                  </p:childTnLst>
+                                </p:cTn>
+                              </p:par>
+                              <p:par>
+                                <p:cTn id="21" presetID="1" presetClass="entr" presetSubtype="0" fill="hold" grpId="0" nodeType="withEffect">
+                                  <p:stCondLst>
+                                    <p:cond delay="0"/>
+                                  </p:stCondLst>
+                                  <p:childTnLst>
+                                    <p:set>
+                                      <p:cBhvr>
+                                        <p:cTn id="22" dur="1" fill="hold">
+                                          <p:stCondLst>
+                                            <p:cond delay="0"/>
+                                          </p:stCondLst>
+                                        </p:cTn>
+                                        <p:tgtEl>
+                                          <p:spTgt spid="18"/>
+                                        </p:tgtEl>
+                                        <p:attrNameLst>
+                                          <p:attrName>style.visibility</p:attrName>
+                                        </p:attrNameLst>
+                                      </p:cBhvr>
+                                      <p:to>
+                                        <p:strVal val="visible"/>
+                                      </p:to>
+                                    </p:set>
+                                  </p:childTnLst>
+                                </p:cTn>
+                              </p:par>
+                              <p:par>
+                                <p:cTn id="23" presetID="1" presetClass="entr" presetSubtype="0" fill="hold" grpId="0" nodeType="withEffect">
+                                  <p:stCondLst>
+                                    <p:cond delay="0"/>
+                                  </p:stCondLst>
+                                  <p:childTnLst>
+                                    <p:set>
+                                      <p:cBhvr>
+                                        <p:cTn id="24" dur="1" fill="hold">
+                                          <p:stCondLst>
+                                            <p:cond delay="0"/>
+                                          </p:stCondLst>
+                                        </p:cTn>
+                                        <p:tgtEl>
+                                          <p:spTgt spid="16"/>
+                                        </p:tgtEl>
+                                        <p:attrNameLst>
+                                          <p:attrName>style.visibility</p:attrName>
+                                        </p:attrNameLst>
+                                      </p:cBhvr>
+                                      <p:to>
+                                        <p:strVal val="visible"/>
+                                      </p:to>
+                                    </p:set>
+                                  </p:childTnLst>
+                                </p:cTn>
+                              </p:par>
+                              <p:par>
+                                <p:cTn id="25" presetID="1" presetClass="entr" presetSubtype="0" fill="hold" nodeType="withEffect">
+                                  <p:stCondLst>
+                                    <p:cond delay="0"/>
+                                  </p:stCondLst>
+                                  <p:childTnLst>
+                                    <p:set>
+                                      <p:cBhvr>
+                                        <p:cTn id="26" dur="1" fill="hold">
+                                          <p:stCondLst>
+                                            <p:cond delay="0"/>
+                                          </p:stCondLst>
+                                        </p:cTn>
+                                        <p:tgtEl>
+                                          <p:spTgt spid="5">
+                                            <p:txEl>
+                                              <p:pRg st="0" end="0"/>
+                                            </p:txEl>
+                                          </p:spTgt>
+                                        </p:tgtEl>
+                                        <p:attrNameLst>
+                                          <p:attrName>style.visibility</p:attrName>
+                                        </p:attrNameLst>
+                                      </p:cBhvr>
+                                      <p:to>
+                                        <p:strVal val="visible"/>
+                                      </p:to>
+                                    </p:set>
+                                  </p:childTnLst>
+                                </p:cTn>
+                              </p:par>
+                              <p:par>
+                                <p:cTn id="27" presetID="1" presetClass="entr" presetSubtype="0" fill="hold" nodeType="withEffect">
+                                  <p:stCondLst>
+                                    <p:cond delay="0"/>
+                                  </p:stCondLst>
+                                  <p:childTnLst>
+                                    <p:set>
+                                      <p:cBhvr>
+                                        <p:cTn id="28" dur="1" fill="hold">
+                                          <p:stCondLst>
+                                            <p:cond delay="0"/>
+                                          </p:stCondLst>
+                                        </p:cTn>
+                                        <p:tgtEl>
+                                          <p:spTgt spid="5">
+                                            <p:txEl>
+                                              <p:pRg st="1" end="1"/>
+                                            </p:txEl>
+                                          </p:spTgt>
+                                        </p:tgtEl>
+                                        <p:attrNameLst>
+                                          <p:attrName>style.visibility</p:attrName>
+                                        </p:attrNameLst>
+                                      </p:cBhvr>
+                                      <p:to>
+                                        <p:strVal val="visible"/>
+                                      </p:to>
+                                    </p:set>
+                                  </p:childTnLst>
+                                </p:cTn>
+                              </p:par>
+                              <p:par>
+                                <p:cTn id="29" presetID="1" presetClass="entr" presetSubtype="0" fill="hold" nodeType="withEffect">
+                                  <p:stCondLst>
+                                    <p:cond delay="0"/>
+                                  </p:stCondLst>
+                                  <p:childTnLst>
+                                    <p:set>
+                                      <p:cBhvr>
+                                        <p:cTn id="30" dur="1" fill="hold">
+                                          <p:stCondLst>
+                                            <p:cond delay="0"/>
+                                          </p:stCondLst>
+                                        </p:cTn>
+                                        <p:tgtEl>
+                                          <p:spTgt spid="5">
+                                            <p:txEl>
+                                              <p:pRg st="2" end="2"/>
+                                            </p:txEl>
+                                          </p:spTgt>
+                                        </p:tgtEl>
+                                        <p:attrNameLst>
+                                          <p:attrName>style.visibility</p:attrName>
+                                        </p:attrNameLst>
+                                      </p:cBhvr>
+                                      <p:to>
+                                        <p:strVal val="visible"/>
+                                      </p:to>
+                                    </p:set>
+                                  </p:childTnLst>
+                                </p:cTn>
+                              </p:par>
+                            </p:childTnLst>
+                          </p:cTn>
+                        </p:par>
+                      </p:childTnLst>
+                    </p:cTn>
+                  </p:par>
+                  <p:par>
+                    <p:cTn id="31" fill="hold">
+                      <p:stCondLst>
+                        <p:cond delay="indefinite"/>
+                      </p:stCondLst>
+                      <p:childTnLst>
+                        <p:par>
+                          <p:cTn id="32" fill="hold">
+                            <p:stCondLst>
+                              <p:cond delay="0"/>
+                            </p:stCondLst>
+                            <p:childTnLst>
+                              <p:par>
+                                <p:cTn id="33" presetID="1" presetClass="entr" presetSubtype="0" fill="hold" nodeType="clickEffect">
+                                  <p:stCondLst>
+                                    <p:cond delay="0"/>
+                                  </p:stCondLst>
+                                  <p:childTnLst>
+                                    <p:set>
+                                      <p:cBhvr>
+                                        <p:cTn id="34" dur="1" fill="hold">
+                                          <p:stCondLst>
+                                            <p:cond delay="0"/>
+                                          </p:stCondLst>
+                                        </p:cTn>
+                                        <p:tgtEl>
+                                          <p:spTgt spid="5">
+                                            <p:txEl>
+                                              <p:pRg st="3" end="3"/>
+                                            </p:txEl>
+                                          </p:spTgt>
+                                        </p:tgtEl>
+                                        <p:attrNameLst>
+                                          <p:attrName>style.visibility</p:attrName>
+                                        </p:attrNameLst>
+                                      </p:cBhvr>
+                                      <p:to>
+                                        <p:strVal val="visible"/>
+                                      </p:to>
+                                    </p:set>
+                                  </p:childTnLst>
+                                </p:cTn>
+                              </p:par>
+                              <p:par>
+                                <p:cTn id="35" presetID="1" presetClass="entr" presetSubtype="0" fill="hold" nodeType="withEffect">
+                                  <p:stCondLst>
+                                    <p:cond delay="0"/>
+                                  </p:stCondLst>
+                                  <p:childTnLst>
+                                    <p:set>
+                                      <p:cBhvr>
+                                        <p:cTn id="36" dur="1" fill="hold">
+                                          <p:stCondLst>
+                                            <p:cond delay="0"/>
+                                          </p:stCondLst>
+                                        </p:cTn>
+                                        <p:tgtEl>
+                                          <p:spTgt spid="5">
+                                            <p:txEl>
+                                              <p:pRg st="4" end="4"/>
+                                            </p:txEl>
+                                          </p:spTgt>
+                                        </p:tgtEl>
+                                        <p:attrNameLst>
+                                          <p:attrName>style.visibility</p:attrName>
+                                        </p:attrNameLst>
+                                      </p:cBhvr>
+                                      <p:to>
+                                        <p:strVal val="visible"/>
+                                      </p:to>
+                                    </p:set>
+                                  </p:childTnLst>
+                                </p:cTn>
+                              </p:par>
+                              <p:par>
+                                <p:cTn id="37" presetID="1" presetClass="entr" presetSubtype="0" fill="hold" nodeType="withEffect">
+                                  <p:stCondLst>
+                                    <p:cond delay="0"/>
+                                  </p:stCondLst>
+                                  <p:childTnLst>
+                                    <p:set>
+                                      <p:cBhvr>
+                                        <p:cTn id="38" dur="1" fill="hold">
+                                          <p:stCondLst>
+                                            <p:cond delay="0"/>
+                                          </p:stCondLst>
+                                        </p:cTn>
+                                        <p:tgtEl>
+                                          <p:spTgt spid="5">
+                                            <p:txEl>
+                                              <p:pRg st="5" end="5"/>
+                                            </p:txEl>
+                                          </p:spTgt>
+                                        </p:tgtEl>
+                                        <p:attrNameLst>
+                                          <p:attrName>style.visibility</p:attrName>
+                                        </p:attrNameLst>
+                                      </p:cBhvr>
+                                      <p:to>
+                                        <p:strVal val="visible"/>
+                                      </p:to>
+                                    </p:set>
+                                  </p:childTnLst>
+                                </p:cTn>
+                              </p:par>
+                            </p:childTnLst>
+                          </p:cTn>
+                        </p:par>
+                      </p:childTnLst>
+                    </p:cTn>
+                  </p:par>
+                  <p:par>
+                    <p:cTn id="39" fill="hold">
+                      <p:stCondLst>
+                        <p:cond delay="indefinite"/>
+                      </p:stCondLst>
+                      <p:childTnLst>
+                        <p:par>
+                          <p:cTn id="40" fill="hold">
+                            <p:stCondLst>
+                              <p:cond delay="0"/>
+                            </p:stCondLst>
+                            <p:childTnLst>
+                              <p:par>
+                                <p:cTn id="41" presetID="1" presetClass="entr" presetSubtype="0" fill="hold" nodeType="clickEffect">
+                                  <p:stCondLst>
+                                    <p:cond delay="0"/>
+                                  </p:stCondLst>
+                                  <p:childTnLst>
+                                    <p:set>
+                                      <p:cBhvr>
+                                        <p:cTn id="42" dur="1" fill="hold">
+                                          <p:stCondLst>
+                                            <p:cond delay="0"/>
+                                          </p:stCondLst>
+                                        </p:cTn>
+                                        <p:tgtEl>
+                                          <p:spTgt spid="5">
+                                            <p:txEl>
+                                              <p:pRg st="6" end="6"/>
+                                            </p:txEl>
+                                          </p:spTgt>
+                                        </p:tgtEl>
+                                        <p:attrNameLst>
+                                          <p:attrName>style.visibility</p:attrName>
+                                        </p:attrNameLst>
+                                      </p:cBhvr>
+                                      <p:to>
+                                        <p:strVal val="visible"/>
+                                      </p:to>
+                                    </p:set>
+                                  </p:childTnLst>
+                                </p:cTn>
+                              </p:par>
+                              <p:par>
+                                <p:cTn id="43" presetID="1" presetClass="entr" presetSubtype="0" fill="hold" nodeType="withEffect">
+                                  <p:stCondLst>
+                                    <p:cond delay="0"/>
+                                  </p:stCondLst>
+                                  <p:childTnLst>
+                                    <p:set>
+                                      <p:cBhvr>
+                                        <p:cTn id="44" dur="1" fill="hold">
+                                          <p:stCondLst>
+                                            <p:cond delay="0"/>
+                                          </p:stCondLst>
+                                        </p:cTn>
+                                        <p:tgtEl>
+                                          <p:spTgt spid="5">
+                                            <p:txEl>
+                                              <p:pRg st="7" end="7"/>
+                                            </p:txEl>
+                                          </p:spTgt>
+                                        </p:tgtEl>
+                                        <p:attrNameLst>
+                                          <p:attrName>style.visibility</p:attrName>
+                                        </p:attrNameLst>
+                                      </p:cBhvr>
+                                      <p:to>
+                                        <p:strVal val="visible"/>
+                                      </p:to>
+                                    </p:set>
+                                  </p:childTnLst>
+                                </p:cTn>
+                              </p:par>
+                              <p:par>
+                                <p:cTn id="45" presetID="1" presetClass="entr" presetSubtype="0" fill="hold" nodeType="withEffect">
+                                  <p:stCondLst>
+                                    <p:cond delay="0"/>
+                                  </p:stCondLst>
+                                  <p:childTnLst>
+                                    <p:set>
+                                      <p:cBhvr>
+                                        <p:cTn id="46" dur="1" fill="hold">
+                                          <p:stCondLst>
+                                            <p:cond delay="0"/>
+                                          </p:stCondLst>
+                                        </p:cTn>
+                                        <p:tgtEl>
+                                          <p:spTgt spid="5">
+                                            <p:txEl>
+                                              <p:pRg st="8" end="8"/>
+                                            </p:txEl>
+                                          </p:spTgt>
+                                        </p:tgtEl>
+                                        <p:attrNameLst>
+                                          <p:attrName>style.visibility</p:attrName>
+                                        </p:attrNameLst>
+                                      </p:cBhvr>
+                                      <p:to>
+                                        <p:strVal val="visible"/>
+                                      </p:to>
+                                    </p:set>
+                                  </p:childTnLst>
+                                </p:cTn>
+                              </p:par>
+                            </p:childTnLst>
+                          </p:cTn>
+                        </p:par>
+                      </p:childTnLst>
+                    </p:cTn>
+                  </p:par>
+                  <p:par>
+                    <p:cTn id="47" fill="hold">
+                      <p:stCondLst>
+                        <p:cond delay="indefinite"/>
+                      </p:stCondLst>
+                      <p:childTnLst>
+                        <p:par>
+                          <p:cTn id="48" fill="hold">
+                            <p:stCondLst>
+                              <p:cond delay="0"/>
+                            </p:stCondLst>
+                            <p:childTnLst>
+                              <p:par>
+                                <p:cTn id="49" presetID="1" presetClass="entr" presetSubtype="0" fill="hold" nodeType="clickEffect">
+                                  <p:stCondLst>
+                                    <p:cond delay="0"/>
+                                  </p:stCondLst>
+                                  <p:childTnLst>
+                                    <p:set>
+                                      <p:cBhvr>
+                                        <p:cTn id="50" dur="1" fill="hold">
+                                          <p:stCondLst>
+                                            <p:cond delay="0"/>
+                                          </p:stCondLst>
+                                        </p:cTn>
+                                        <p:tgtEl>
+                                          <p:spTgt spid="5">
+                                            <p:txEl>
+                                              <p:pRg st="9" end="9"/>
+                                            </p:txEl>
+                                          </p:spTgt>
+                                        </p:tgtEl>
+                                        <p:attrNameLst>
+                                          <p:attrName>style.visibility</p:attrName>
+                                        </p:attrNameLst>
+                                      </p:cBhvr>
+                                      <p:to>
+                                        <p:strVal val="visible"/>
+                                      </p:to>
+                                    </p:set>
+                                  </p:childTnLst>
+                                </p:cTn>
+                              </p:par>
+                              <p:par>
+                                <p:cTn id="51" presetID="1" presetClass="entr" presetSubtype="0" fill="hold" nodeType="withEffect">
+                                  <p:stCondLst>
+                                    <p:cond delay="0"/>
+                                  </p:stCondLst>
+                                  <p:childTnLst>
+                                    <p:set>
+                                      <p:cBhvr>
+                                        <p:cTn id="52" dur="1" fill="hold">
+                                          <p:stCondLst>
+                                            <p:cond delay="0"/>
+                                          </p:stCondLst>
+                                        </p:cTn>
+                                        <p:tgtEl>
+                                          <p:spTgt spid="5">
+                                            <p:txEl>
+                                              <p:pRg st="10" end="10"/>
+                                            </p:txEl>
+                                          </p:spTgt>
+                                        </p:tgtEl>
+                                        <p:attrNameLst>
+                                          <p:attrName>style.visibility</p:attrName>
+                                        </p:attrNameLst>
+                                      </p:cBhvr>
+                                      <p:to>
+                                        <p:strVal val="visible"/>
+                                      </p:to>
+                                    </p:set>
+                                  </p:childTnLst>
+                                </p:cTn>
+                              </p:par>
+                            </p:childTnLst>
+                          </p:cTn>
+                        </p:par>
+                      </p:childTnLst>
+                    </p:cTn>
+                  </p:par>
+                  <p:par>
+                    <p:cTn id="53" fill="hold">
+                      <p:stCondLst>
+                        <p:cond delay="indefinite"/>
+                      </p:stCondLst>
+                      <p:childTnLst>
+                        <p:par>
+                          <p:cTn id="54" fill="hold">
+                            <p:stCondLst>
+                              <p:cond delay="0"/>
+                            </p:stCondLst>
+                            <p:childTnLst>
+                              <p:par>
+                                <p:cTn id="55" presetID="1" presetClass="entr" presetSubtype="0" fill="hold" grpId="0" nodeType="clickEffect">
+                                  <p:stCondLst>
+                                    <p:cond delay="0"/>
+                                  </p:stCondLst>
+                                  <p:childTnLst>
+                                    <p:set>
+                                      <p:cBhvr>
+                                        <p:cTn id="56" dur="1" fill="hold">
+                                          <p:stCondLst>
+                                            <p:cond delay="0"/>
+                                          </p:stCondLst>
+                                        </p:cTn>
+                                        <p:tgtEl>
+                                          <p:spTgt spid="6"/>
+                                        </p:tgtEl>
+                                        <p:attrNameLst>
+                                          <p:attrName>style.visibility</p:attrName>
+                                        </p:attrNameLst>
+                                      </p:cBhvr>
+                                      <p:to>
+                                        <p:strVal val="visible"/>
+                                      </p:to>
+                                    </p:set>
+                                  </p:childTnLst>
+                                </p:cTn>
+                              </p:par>
+                            </p:childTnLst>
+                          </p:cTn>
+                        </p:par>
+                      </p:childTnLst>
+                    </p:cTn>
+                  </p:par>
+                </p:childTnLst>
+              </p:cTn>
+              <p:prevCondLst>
+                <p:cond evt="onPrev" delay="0">
+                  <p:tgtEl>
+                    <p:sldTgt/>
+                  </p:tgtEl>
+                </p:cond>
+              </p:prevCondLst>
+              <p:nextCondLst>
+                <p:cond evt="onNext" delay="0">
+                  <p:tgtEl>
+                    <p:sldTgt/>
+                  </p:tgtEl>
+                </p:cond>
+              </p:nextCondLst>
+            </p:seq>
+          </p:childTnLst>
+        </p:cTn>
+      </p:par>
+    </p:tnLst>
+    <p:bldLst>
+      <p:bldP spid="5" grpId="0" animBg="1"/>
+      <p:bldP spid="8" grpId="0" animBg="1"/>
+      <p:bldP spid="9" grpId="0" animBg="1"/>
+      <p:bldP spid="12" grpId="0" animBg="1"/>
+      <p:bldP spid="13" grpId="0" animBg="1"/>
+      <p:bldP spid="14" grpId="0" animBg="1"/>
+      <p:bldP spid="15" grpId="0" animBg="1"/>
+      <p:bldP spid="16" grpId="0" animBg="1"/>
+      <p:bldP spid="17" grpId="0" animBg="1"/>
+      <p:bldP spid="18" grpId="0" animBg="1"/>
+      <p:bldP spid="6" grpId="0"/>
+    </p:bldLst>
+  </p:timing>
 </p:sld>
 </file>
 
@@ -11045,7 +13495,13 @@
             </a:r>
             <a:r>
               <a:rPr lang="bg-BG" dirty="0"/>
-              <a:t> и 50). Да се пресметне сумарното им време във формат</a:t>
+              <a:t> и 50). </a:t>
+            </a:r>
+          </a:p>
+          <a:p>
+            <a:r>
+              <a:rPr lang="bg-BG" dirty="0"/>
+              <a:t>Да се пресметне сумарното им време във формат</a:t>
             </a:r>
             <a:r>
               <a:rPr lang="en-US" dirty="0"/>
@@ -11068,7 +13524,14 @@
             </a:r>
             <a:r>
               <a:rPr lang="bg-BG" dirty="0"/>
-              <a:t>. Секундите да се изведат с </a:t>
+              <a:t>. </a:t>
+            </a:r>
+          </a:p>
+          <a:p>
+            <a:pPr lvl="1"/>
+            <a:r>
+              <a:rPr lang="bg-BG" dirty="0"/>
+              <a:t>Секундите да се изведат с </a:t>
             </a:r>
             <a:r>
               <a:rPr lang="bg-BG" dirty="0">
@@ -11089,14 +13552,6 @@
                 <a:sym typeface="Wingdings" charset="2"/>
               </a:rPr>
               <a:t> "02", 7  "07", 35  "35").</a:t>
-            </a:r>
-            <a:endParaRPr lang="en-US" dirty="0"/>
-          </a:p>
-          <a:p>
-            <a:pPr lvl="1"/>
-            <a:r>
-              <a:rPr lang="bg-BG" dirty="0"/>
-              <a:t>Примери:</a:t>
             </a:r>
             <a:endParaRPr lang="en-US" dirty="0"/>
           </a:p>
@@ -11143,7 +13598,7 @@
         </p:nvSpPr>
         <p:spPr bwMode="auto">
           <a:xfrm>
-            <a:off x="915820" y="4321985"/>
+            <a:off x="903330" y="4800600"/>
             <a:ext cx="672207" cy="1514261"/>
           </a:xfrm>
           <a:prstGeom prst="rect">
@@ -11306,7 +13761,7 @@
         </p:nvSpPr>
         <p:spPr bwMode="auto">
           <a:xfrm>
-            <a:off x="2028516" y="4333046"/>
+            <a:off x="2113067" y="4837822"/>
             <a:ext cx="990600" cy="1477039"/>
           </a:xfrm>
           <a:prstGeom prst="rect">
@@ -11405,7 +13860,7 @@
         </p:nvSpPr>
         <p:spPr>
           <a:xfrm>
-            <a:off x="1681715" y="4874466"/>
+            <a:off x="1750122" y="5443430"/>
             <a:ext cx="280409" cy="228600"/>
           </a:xfrm>
           <a:prstGeom prst="rightArrow">
@@ -11447,7 +13902,7 @@
         </p:nvSpPr>
         <p:spPr bwMode="auto">
           <a:xfrm>
-            <a:off x="3613123" y="4321985"/>
+            <a:off x="3602425" y="4819210"/>
             <a:ext cx="672207" cy="1514261"/>
           </a:xfrm>
           <a:prstGeom prst="rect">
@@ -11621,8 +14076,8 @@
         </p:nvSpPr>
         <p:spPr bwMode="auto">
           <a:xfrm>
-            <a:off x="4725818" y="4333046"/>
-            <a:ext cx="1036498" cy="1477039"/>
+            <a:off x="4794660" y="4837822"/>
+            <a:ext cx="1036498" cy="1483079"/>
           </a:xfrm>
           <a:prstGeom prst="rect">
             <a:avLst/>
@@ -11737,7 +14192,7 @@
         </p:nvSpPr>
         <p:spPr>
           <a:xfrm>
-            <a:off x="4379018" y="4874466"/>
+            <a:off x="4380439" y="5442284"/>
             <a:ext cx="280409" cy="228600"/>
           </a:xfrm>
           <a:prstGeom prst="rightArrow">
@@ -11779,7 +14234,7 @@
         </p:nvSpPr>
         <p:spPr bwMode="auto">
           <a:xfrm>
-            <a:off x="6346515" y="4321985"/>
+            <a:off x="6357667" y="4819209"/>
             <a:ext cx="672207" cy="1514261"/>
           </a:xfrm>
           <a:prstGeom prst="rect">
@@ -11953,8 +14408,8 @@
         </p:nvSpPr>
         <p:spPr bwMode="auto">
           <a:xfrm>
-            <a:off x="7459210" y="4333046"/>
-            <a:ext cx="1046305" cy="1477039"/>
+            <a:off x="7517469" y="4800600"/>
+            <a:ext cx="1046305" cy="1514261"/>
           </a:xfrm>
           <a:prstGeom prst="rect">
             <a:avLst/>
@@ -12052,7 +14507,7 @@
         </p:nvSpPr>
         <p:spPr>
           <a:xfrm>
-            <a:off x="7112410" y="4874466"/>
+            <a:off x="7121470" y="5442284"/>
             <a:ext cx="280409" cy="228600"/>
           </a:xfrm>
           <a:prstGeom prst="rightArrow">
@@ -12094,7 +14549,7 @@
         </p:nvSpPr>
         <p:spPr bwMode="auto">
           <a:xfrm>
-            <a:off x="9069220" y="4321985"/>
+            <a:off x="9045599" y="4819208"/>
             <a:ext cx="672207" cy="1514261"/>
           </a:xfrm>
           <a:prstGeom prst="rect">
@@ -12240,8 +14695,8 @@
         </p:nvSpPr>
         <p:spPr bwMode="auto">
           <a:xfrm>
-            <a:off x="10181916" y="4333046"/>
-            <a:ext cx="990600" cy="1477039"/>
+            <a:off x="10212048" y="4837822"/>
+            <a:ext cx="990600" cy="1483079"/>
           </a:xfrm>
           <a:prstGeom prst="rect">
             <a:avLst/>
@@ -12356,7 +14811,7 @@
         </p:nvSpPr>
         <p:spPr>
           <a:xfrm>
-            <a:off x="9835115" y="4874466"/>
+            <a:off x="9816049" y="5442284"/>
             <a:ext cx="280409" cy="228600"/>
           </a:xfrm>
           <a:prstGeom prst="rightArrow">
@@ -12458,6 +14913,544 @@
   <p:clrMapOvr>
     <a:masterClrMapping/>
   </p:clrMapOvr>
+  <p:timing>
+    <p:tnLst>
+      <p:par>
+        <p:cTn id="1" dur="indefinite" restart="never" nodeType="tmRoot">
+          <p:childTnLst>
+            <p:seq concurrent="1" nextAc="seek">
+              <p:cTn id="2" dur="indefinite" nodeType="mainSeq">
+                <p:childTnLst>
+                  <p:par>
+                    <p:cTn id="3" fill="hold">
+                      <p:stCondLst>
+                        <p:cond delay="indefinite"/>
+                      </p:stCondLst>
+                      <p:childTnLst>
+                        <p:par>
+                          <p:cTn id="4" fill="hold">
+                            <p:stCondLst>
+                              <p:cond delay="0"/>
+                            </p:stCondLst>
+                            <p:childTnLst>
+                              <p:par>
+                                <p:cTn id="5" presetID="1" presetClass="entr" presetSubtype="0" fill="hold" nodeType="clickEffect">
+                                  <p:stCondLst>
+                                    <p:cond delay="0"/>
+                                  </p:stCondLst>
+                                  <p:childTnLst>
+                                    <p:set>
+                                      <p:cBhvr>
+                                        <p:cTn id="6" dur="1" fill="hold">
+                                          <p:stCondLst>
+                                            <p:cond delay="0"/>
+                                          </p:stCondLst>
+                                        </p:cTn>
+                                        <p:tgtEl>
+                                          <p:spTgt spid="3">
+                                            <p:txEl>
+                                              <p:pRg st="1" end="1"/>
+                                            </p:txEl>
+                                          </p:spTgt>
+                                        </p:tgtEl>
+                                        <p:attrNameLst>
+                                          <p:attrName>style.visibility</p:attrName>
+                                        </p:attrNameLst>
+                                      </p:cBhvr>
+                                      <p:to>
+                                        <p:strVal val="visible"/>
+                                      </p:to>
+                                    </p:set>
+                                  </p:childTnLst>
+                                </p:cTn>
+                              </p:par>
+                            </p:childTnLst>
+                          </p:cTn>
+                        </p:par>
+                      </p:childTnLst>
+                    </p:cTn>
+                  </p:par>
+                  <p:par>
+                    <p:cTn id="7" fill="hold">
+                      <p:stCondLst>
+                        <p:cond delay="indefinite"/>
+                      </p:stCondLst>
+                      <p:childTnLst>
+                        <p:par>
+                          <p:cTn id="8" fill="hold">
+                            <p:stCondLst>
+                              <p:cond delay="0"/>
+                            </p:stCondLst>
+                            <p:childTnLst>
+                              <p:par>
+                                <p:cTn id="9" presetID="1" presetClass="entr" presetSubtype="0" fill="hold" nodeType="clickEffect">
+                                  <p:stCondLst>
+                                    <p:cond delay="0"/>
+                                  </p:stCondLst>
+                                  <p:childTnLst>
+                                    <p:set>
+                                      <p:cBhvr>
+                                        <p:cTn id="10" dur="1" fill="hold">
+                                          <p:stCondLst>
+                                            <p:cond delay="0"/>
+                                          </p:stCondLst>
+                                        </p:cTn>
+                                        <p:tgtEl>
+                                          <p:spTgt spid="3">
+                                            <p:txEl>
+                                              <p:pRg st="2" end="2"/>
+                                            </p:txEl>
+                                          </p:spTgt>
+                                        </p:tgtEl>
+                                        <p:attrNameLst>
+                                          <p:attrName>style.visibility</p:attrName>
+                                        </p:attrNameLst>
+                                      </p:cBhvr>
+                                      <p:to>
+                                        <p:strVal val="visible"/>
+                                      </p:to>
+                                    </p:set>
+                                  </p:childTnLst>
+                                </p:cTn>
+                              </p:par>
+                            </p:childTnLst>
+                          </p:cTn>
+                        </p:par>
+                      </p:childTnLst>
+                    </p:cTn>
+                  </p:par>
+                  <p:par>
+                    <p:cTn id="11" fill="hold">
+                      <p:stCondLst>
+                        <p:cond delay="indefinite"/>
+                      </p:stCondLst>
+                      <p:childTnLst>
+                        <p:par>
+                          <p:cTn id="12" fill="hold">
+                            <p:stCondLst>
+                              <p:cond delay="0"/>
+                            </p:stCondLst>
+                            <p:childTnLst>
+                              <p:par>
+                                <p:cTn id="13" presetID="1" presetClass="entr" presetSubtype="0" fill="hold" grpId="0" nodeType="clickEffect">
+                                  <p:stCondLst>
+                                    <p:cond delay="0"/>
+                                  </p:stCondLst>
+                                  <p:childTnLst>
+                                    <p:set>
+                                      <p:cBhvr>
+                                        <p:cTn id="14" dur="1" fill="hold">
+                                          <p:stCondLst>
+                                            <p:cond delay="0"/>
+                                          </p:stCondLst>
+                                        </p:cTn>
+                                        <p:tgtEl>
+                                          <p:spTgt spid="5"/>
+                                        </p:tgtEl>
+                                        <p:attrNameLst>
+                                          <p:attrName>style.visibility</p:attrName>
+                                        </p:attrNameLst>
+                                      </p:cBhvr>
+                                      <p:to>
+                                        <p:strVal val="visible"/>
+                                      </p:to>
+                                    </p:set>
+                                  </p:childTnLst>
+                                </p:cTn>
+                              </p:par>
+                              <p:par>
+                                <p:cTn id="15" presetID="1" presetClass="entr" presetSubtype="0" fill="hold" grpId="0" nodeType="withEffect">
+                                  <p:stCondLst>
+                                    <p:cond delay="0"/>
+                                  </p:stCondLst>
+                                  <p:childTnLst>
+                                    <p:set>
+                                      <p:cBhvr>
+                                        <p:cTn id="16" dur="1" fill="hold">
+                                          <p:stCondLst>
+                                            <p:cond delay="0"/>
+                                          </p:stCondLst>
+                                        </p:cTn>
+                                        <p:tgtEl>
+                                          <p:spTgt spid="6"/>
+                                        </p:tgtEl>
+                                        <p:attrNameLst>
+                                          <p:attrName>style.visibility</p:attrName>
+                                        </p:attrNameLst>
+                                      </p:cBhvr>
+                                      <p:to>
+                                        <p:strVal val="visible"/>
+                                      </p:to>
+                                    </p:set>
+                                  </p:childTnLst>
+                                </p:cTn>
+                              </p:par>
+                              <p:par>
+                                <p:cTn id="17" presetID="1" presetClass="entr" presetSubtype="0" fill="hold" grpId="0" nodeType="withEffect">
+                                  <p:stCondLst>
+                                    <p:cond delay="0"/>
+                                  </p:stCondLst>
+                                  <p:childTnLst>
+                                    <p:set>
+                                      <p:cBhvr>
+                                        <p:cTn id="18" dur="1" fill="hold">
+                                          <p:stCondLst>
+                                            <p:cond delay="0"/>
+                                          </p:stCondLst>
+                                        </p:cTn>
+                                        <p:tgtEl>
+                                          <p:spTgt spid="15"/>
+                                        </p:tgtEl>
+                                        <p:attrNameLst>
+                                          <p:attrName>style.visibility</p:attrName>
+                                        </p:attrNameLst>
+                                      </p:cBhvr>
+                                      <p:to>
+                                        <p:strVal val="visible"/>
+                                      </p:to>
+                                    </p:set>
+                                  </p:childTnLst>
+                                </p:cTn>
+                              </p:par>
+                            </p:childTnLst>
+                          </p:cTn>
+                        </p:par>
+                      </p:childTnLst>
+                    </p:cTn>
+                  </p:par>
+                  <p:par>
+                    <p:cTn id="19" fill="hold">
+                      <p:stCondLst>
+                        <p:cond delay="indefinite"/>
+                      </p:stCondLst>
+                      <p:childTnLst>
+                        <p:par>
+                          <p:cTn id="20" fill="hold">
+                            <p:stCondLst>
+                              <p:cond delay="0"/>
+                            </p:stCondLst>
+                            <p:childTnLst>
+                              <p:par>
+                                <p:cTn id="21" presetID="1" presetClass="entr" presetSubtype="0" fill="hold" grpId="0" nodeType="clickEffect">
+                                  <p:stCondLst>
+                                    <p:cond delay="0"/>
+                                  </p:stCondLst>
+                                  <p:childTnLst>
+                                    <p:set>
+                                      <p:cBhvr>
+                                        <p:cTn id="22" dur="1" fill="hold">
+                                          <p:stCondLst>
+                                            <p:cond delay="0"/>
+                                          </p:stCondLst>
+                                        </p:cTn>
+                                        <p:tgtEl>
+                                          <p:spTgt spid="16"/>
+                                        </p:tgtEl>
+                                        <p:attrNameLst>
+                                          <p:attrName>style.visibility</p:attrName>
+                                        </p:attrNameLst>
+                                      </p:cBhvr>
+                                      <p:to>
+                                        <p:strVal val="visible"/>
+                                      </p:to>
+                                    </p:set>
+                                  </p:childTnLst>
+                                </p:cTn>
+                              </p:par>
+                              <p:par>
+                                <p:cTn id="23" presetID="1" presetClass="entr" presetSubtype="0" fill="hold" grpId="0" nodeType="withEffect">
+                                  <p:stCondLst>
+                                    <p:cond delay="0"/>
+                                  </p:stCondLst>
+                                  <p:childTnLst>
+                                    <p:set>
+                                      <p:cBhvr>
+                                        <p:cTn id="24" dur="1" fill="hold">
+                                          <p:stCondLst>
+                                            <p:cond delay="0"/>
+                                          </p:stCondLst>
+                                        </p:cTn>
+                                        <p:tgtEl>
+                                          <p:spTgt spid="17"/>
+                                        </p:tgtEl>
+                                        <p:attrNameLst>
+                                          <p:attrName>style.visibility</p:attrName>
+                                        </p:attrNameLst>
+                                      </p:cBhvr>
+                                      <p:to>
+                                        <p:strVal val="visible"/>
+                                      </p:to>
+                                    </p:set>
+                                  </p:childTnLst>
+                                </p:cTn>
+                              </p:par>
+                              <p:par>
+                                <p:cTn id="25" presetID="1" presetClass="entr" presetSubtype="0" fill="hold" grpId="0" nodeType="withEffect">
+                                  <p:stCondLst>
+                                    <p:cond delay="0"/>
+                                  </p:stCondLst>
+                                  <p:childTnLst>
+                                    <p:set>
+                                      <p:cBhvr>
+                                        <p:cTn id="26" dur="1" fill="hold">
+                                          <p:stCondLst>
+                                            <p:cond delay="0"/>
+                                          </p:stCondLst>
+                                        </p:cTn>
+                                        <p:tgtEl>
+                                          <p:spTgt spid="18"/>
+                                        </p:tgtEl>
+                                        <p:attrNameLst>
+                                          <p:attrName>style.visibility</p:attrName>
+                                        </p:attrNameLst>
+                                      </p:cBhvr>
+                                      <p:to>
+                                        <p:strVal val="visible"/>
+                                      </p:to>
+                                    </p:set>
+                                  </p:childTnLst>
+                                </p:cTn>
+                              </p:par>
+                            </p:childTnLst>
+                          </p:cTn>
+                        </p:par>
+                      </p:childTnLst>
+                    </p:cTn>
+                  </p:par>
+                  <p:par>
+                    <p:cTn id="27" fill="hold">
+                      <p:stCondLst>
+                        <p:cond delay="indefinite"/>
+                      </p:stCondLst>
+                      <p:childTnLst>
+                        <p:par>
+                          <p:cTn id="28" fill="hold">
+                            <p:stCondLst>
+                              <p:cond delay="0"/>
+                            </p:stCondLst>
+                            <p:childTnLst>
+                              <p:par>
+                                <p:cTn id="29" presetID="1" presetClass="entr" presetSubtype="0" fill="hold" grpId="0" nodeType="clickEffect">
+                                  <p:stCondLst>
+                                    <p:cond delay="0"/>
+                                  </p:stCondLst>
+                                  <p:childTnLst>
+                                    <p:set>
+                                      <p:cBhvr>
+                                        <p:cTn id="30" dur="1" fill="hold">
+                                          <p:stCondLst>
+                                            <p:cond delay="0"/>
+                                          </p:stCondLst>
+                                        </p:cTn>
+                                        <p:tgtEl>
+                                          <p:spTgt spid="19"/>
+                                        </p:tgtEl>
+                                        <p:attrNameLst>
+                                          <p:attrName>style.visibility</p:attrName>
+                                        </p:attrNameLst>
+                                      </p:cBhvr>
+                                      <p:to>
+                                        <p:strVal val="visible"/>
+                                      </p:to>
+                                    </p:set>
+                                  </p:childTnLst>
+                                </p:cTn>
+                              </p:par>
+                              <p:par>
+                                <p:cTn id="31" presetID="1" presetClass="entr" presetSubtype="0" fill="hold" grpId="0" nodeType="withEffect">
+                                  <p:stCondLst>
+                                    <p:cond delay="0"/>
+                                  </p:stCondLst>
+                                  <p:childTnLst>
+                                    <p:set>
+                                      <p:cBhvr>
+                                        <p:cTn id="32" dur="1" fill="hold">
+                                          <p:stCondLst>
+                                            <p:cond delay="0"/>
+                                          </p:stCondLst>
+                                        </p:cTn>
+                                        <p:tgtEl>
+                                          <p:spTgt spid="20"/>
+                                        </p:tgtEl>
+                                        <p:attrNameLst>
+                                          <p:attrName>style.visibility</p:attrName>
+                                        </p:attrNameLst>
+                                      </p:cBhvr>
+                                      <p:to>
+                                        <p:strVal val="visible"/>
+                                      </p:to>
+                                    </p:set>
+                                  </p:childTnLst>
+                                </p:cTn>
+                              </p:par>
+                              <p:par>
+                                <p:cTn id="33" presetID="1" presetClass="entr" presetSubtype="0" fill="hold" grpId="0" nodeType="withEffect">
+                                  <p:stCondLst>
+                                    <p:cond delay="0"/>
+                                  </p:stCondLst>
+                                  <p:childTnLst>
+                                    <p:set>
+                                      <p:cBhvr>
+                                        <p:cTn id="34" dur="1" fill="hold">
+                                          <p:stCondLst>
+                                            <p:cond delay="0"/>
+                                          </p:stCondLst>
+                                        </p:cTn>
+                                        <p:tgtEl>
+                                          <p:spTgt spid="21"/>
+                                        </p:tgtEl>
+                                        <p:attrNameLst>
+                                          <p:attrName>style.visibility</p:attrName>
+                                        </p:attrNameLst>
+                                      </p:cBhvr>
+                                      <p:to>
+                                        <p:strVal val="visible"/>
+                                      </p:to>
+                                    </p:set>
+                                  </p:childTnLst>
+                                </p:cTn>
+                              </p:par>
+                            </p:childTnLst>
+                          </p:cTn>
+                        </p:par>
+                      </p:childTnLst>
+                    </p:cTn>
+                  </p:par>
+                  <p:par>
+                    <p:cTn id="35" fill="hold">
+                      <p:stCondLst>
+                        <p:cond delay="indefinite"/>
+                      </p:stCondLst>
+                      <p:childTnLst>
+                        <p:par>
+                          <p:cTn id="36" fill="hold">
+                            <p:stCondLst>
+                              <p:cond delay="0"/>
+                            </p:stCondLst>
+                            <p:childTnLst>
+                              <p:par>
+                                <p:cTn id="37" presetID="1" presetClass="entr" presetSubtype="0" fill="hold" grpId="0" nodeType="clickEffect">
+                                  <p:stCondLst>
+                                    <p:cond delay="0"/>
+                                  </p:stCondLst>
+                                  <p:childTnLst>
+                                    <p:set>
+                                      <p:cBhvr>
+                                        <p:cTn id="38" dur="1" fill="hold">
+                                          <p:stCondLst>
+                                            <p:cond delay="0"/>
+                                          </p:stCondLst>
+                                        </p:cTn>
+                                        <p:tgtEl>
+                                          <p:spTgt spid="22"/>
+                                        </p:tgtEl>
+                                        <p:attrNameLst>
+                                          <p:attrName>style.visibility</p:attrName>
+                                        </p:attrNameLst>
+                                      </p:cBhvr>
+                                      <p:to>
+                                        <p:strVal val="visible"/>
+                                      </p:to>
+                                    </p:set>
+                                  </p:childTnLst>
+                                </p:cTn>
+                              </p:par>
+                              <p:par>
+                                <p:cTn id="39" presetID="1" presetClass="entr" presetSubtype="0" fill="hold" grpId="0" nodeType="withEffect">
+                                  <p:stCondLst>
+                                    <p:cond delay="0"/>
+                                  </p:stCondLst>
+                                  <p:childTnLst>
+                                    <p:set>
+                                      <p:cBhvr>
+                                        <p:cTn id="40" dur="1" fill="hold">
+                                          <p:stCondLst>
+                                            <p:cond delay="0"/>
+                                          </p:stCondLst>
+                                        </p:cTn>
+                                        <p:tgtEl>
+                                          <p:spTgt spid="23"/>
+                                        </p:tgtEl>
+                                        <p:attrNameLst>
+                                          <p:attrName>style.visibility</p:attrName>
+                                        </p:attrNameLst>
+                                      </p:cBhvr>
+                                      <p:to>
+                                        <p:strVal val="visible"/>
+                                      </p:to>
+                                    </p:set>
+                                  </p:childTnLst>
+                                </p:cTn>
+                              </p:par>
+                              <p:par>
+                                <p:cTn id="41" presetID="1" presetClass="entr" presetSubtype="0" fill="hold" grpId="0" nodeType="withEffect">
+                                  <p:stCondLst>
+                                    <p:cond delay="0"/>
+                                  </p:stCondLst>
+                                  <p:childTnLst>
+                                    <p:set>
+                                      <p:cBhvr>
+                                        <p:cTn id="42" dur="1" fill="hold">
+                                          <p:stCondLst>
+                                            <p:cond delay="0"/>
+                                          </p:stCondLst>
+                                        </p:cTn>
+                                        <p:tgtEl>
+                                          <p:spTgt spid="24"/>
+                                        </p:tgtEl>
+                                        <p:attrNameLst>
+                                          <p:attrName>style.visibility</p:attrName>
+                                        </p:attrNameLst>
+                                      </p:cBhvr>
+                                      <p:to>
+                                        <p:strVal val="visible"/>
+                                      </p:to>
+                                    </p:set>
+                                  </p:childTnLst>
+                                </p:cTn>
+                              </p:par>
+                            </p:childTnLst>
+                          </p:cTn>
+                        </p:par>
+                      </p:childTnLst>
+                    </p:cTn>
+                  </p:par>
+                </p:childTnLst>
+              </p:cTn>
+              <p:prevCondLst>
+                <p:cond evt="onPrev" delay="0">
+                  <p:tgtEl>
+                    <p:sldTgt/>
+                  </p:tgtEl>
+                </p:cond>
+              </p:prevCondLst>
+              <p:nextCondLst>
+                <p:cond evt="onNext" delay="0">
+                  <p:tgtEl>
+                    <p:sldTgt/>
+                  </p:tgtEl>
+                </p:cond>
+              </p:nextCondLst>
+            </p:seq>
+          </p:childTnLst>
+        </p:cTn>
+      </p:par>
+    </p:tnLst>
+    <p:bldLst>
+      <p:bldP spid="5" grpId="0" animBg="1"/>
+      <p:bldP spid="6" grpId="0" animBg="1"/>
+      <p:bldP spid="15" grpId="0" animBg="1"/>
+      <p:bldP spid="16" grpId="0" animBg="1"/>
+      <p:bldP spid="17" grpId="0" animBg="1"/>
+      <p:bldP spid="18" grpId="0" animBg="1"/>
+      <p:bldP spid="19" grpId="0" animBg="1"/>
+      <p:bldP spid="20" grpId="0" animBg="1"/>
+      <p:bldP spid="21" grpId="0" animBg="1"/>
+      <p:bldP spid="22" grpId="0" animBg="1"/>
+      <p:bldP spid="23" grpId="0" animBg="1"/>
+      <p:bldP spid="24" grpId="0" animBg="1"/>
+    </p:bldLst>
+  </p:timing>
 </p:sld>
 </file>
 
@@ -13236,6 +16229,84 @@
   <p:clrMapOvr>
     <a:masterClrMapping/>
   </p:clrMapOvr>
+  <p:timing>
+    <p:tnLst>
+      <p:par>
+        <p:cTn id="1" dur="indefinite" restart="never" nodeType="tmRoot">
+          <p:childTnLst>
+            <p:seq concurrent="1" nextAc="seek">
+              <p:cTn id="2" dur="indefinite" nodeType="mainSeq">
+                <p:childTnLst>
+                  <p:par>
+                    <p:cTn id="3" fill="hold">
+                      <p:stCondLst>
+                        <p:cond delay="indefinite"/>
+                      </p:stCondLst>
+                      <p:childTnLst>
+                        <p:par>
+                          <p:cTn id="4" fill="hold">
+                            <p:stCondLst>
+                              <p:cond delay="0"/>
+                            </p:stCondLst>
+                            <p:childTnLst>
+                              <p:par>
+                                <p:cTn id="5" presetID="1" presetClass="entr" presetSubtype="0" fill="hold" grpId="0" nodeType="clickEffect">
+                                  <p:stCondLst>
+                                    <p:cond delay="0"/>
+                                  </p:stCondLst>
+                                  <p:childTnLst>
+                                    <p:set>
+                                      <p:cBhvr>
+                                        <p:cTn id="6" dur="1" fill="hold">
+                                          <p:stCondLst>
+                                            <p:cond delay="0"/>
+                                          </p:stCondLst>
+                                        </p:cTn>
+                                        <p:tgtEl>
+                                          <p:spTgt spid="2"/>
+                                        </p:tgtEl>
+                                        <p:attrNameLst>
+                                          <p:attrName>style.visibility</p:attrName>
+                                        </p:attrNameLst>
+                                      </p:cBhvr>
+                                      <p:to>
+                                        <p:strVal val="visible"/>
+                                      </p:to>
+                                    </p:set>
+                                  </p:childTnLst>
+                                </p:cTn>
+                              </p:par>
+                            </p:childTnLst>
+                          </p:cTn>
+                        </p:par>
+                      </p:childTnLst>
+                    </p:cTn>
+                  </p:par>
+                </p:childTnLst>
+              </p:cTn>
+              <p:prevCondLst>
+                <p:cond evt="onPrev" delay="0">
+                  <p:tgtEl>
+                    <p:sldTgt/>
+                  </p:tgtEl>
+                </p:cond>
+              </p:prevCondLst>
+              <p:nextCondLst>
+                <p:cond evt="onNext" delay="0">
+                  <p:tgtEl>
+                    <p:sldTgt/>
+                  </p:tgtEl>
+                </p:cond>
+              </p:nextCondLst>
+            </p:seq>
+          </p:childTnLst>
+        </p:cTn>
+      </p:par>
+    </p:tnLst>
+    <p:bldLst>
+      <p:bldP spid="2" grpId="0"/>
+    </p:bldLst>
+  </p:timing>
 </p:sld>
 </file>
 
@@ -14331,6 +17402,192 @@
   <p:clrMapOvr>
     <a:masterClrMapping/>
   </p:clrMapOvr>
+  <p:timing>
+    <p:tnLst>
+      <p:par>
+        <p:cTn id="1" dur="indefinite" restart="never" nodeType="tmRoot">
+          <p:childTnLst>
+            <p:seq concurrent="1" nextAc="seek">
+              <p:cTn id="2" dur="indefinite" nodeType="mainSeq">
+                <p:childTnLst>
+                  <p:par>
+                    <p:cTn id="3" fill="hold">
+                      <p:stCondLst>
+                        <p:cond delay="indefinite"/>
+                      </p:stCondLst>
+                      <p:childTnLst>
+                        <p:par>
+                          <p:cTn id="4" fill="hold">
+                            <p:stCondLst>
+                              <p:cond delay="0"/>
+                            </p:stCondLst>
+                            <p:childTnLst>
+                              <p:par>
+                                <p:cTn id="5" presetID="1" presetClass="entr" presetSubtype="0" fill="hold" nodeType="clickEffect">
+                                  <p:stCondLst>
+                                    <p:cond delay="0"/>
+                                  </p:stCondLst>
+                                  <p:childTnLst>
+                                    <p:set>
+                                      <p:cBhvr>
+                                        <p:cTn id="6" dur="1" fill="hold">
+                                          <p:stCondLst>
+                                            <p:cond delay="0"/>
+                                          </p:stCondLst>
+                                        </p:cTn>
+                                        <p:tgtEl>
+                                          <p:spTgt spid="3">
+                                            <p:txEl>
+                                              <p:pRg st="1" end="1"/>
+                                            </p:txEl>
+                                          </p:spTgt>
+                                        </p:tgtEl>
+                                        <p:attrNameLst>
+                                          <p:attrName>style.visibility</p:attrName>
+                                        </p:attrNameLst>
+                                      </p:cBhvr>
+                                      <p:to>
+                                        <p:strVal val="visible"/>
+                                      </p:to>
+                                    </p:set>
+                                  </p:childTnLst>
+                                </p:cTn>
+                              </p:par>
+                            </p:childTnLst>
+                          </p:cTn>
+                        </p:par>
+                      </p:childTnLst>
+                    </p:cTn>
+                  </p:par>
+                  <p:par>
+                    <p:cTn id="7" fill="hold">
+                      <p:stCondLst>
+                        <p:cond delay="indefinite"/>
+                      </p:stCondLst>
+                      <p:childTnLst>
+                        <p:par>
+                          <p:cTn id="8" fill="hold">
+                            <p:stCondLst>
+                              <p:cond delay="0"/>
+                            </p:stCondLst>
+                            <p:childTnLst>
+                              <p:par>
+                                <p:cTn id="9" presetID="1" presetClass="entr" presetSubtype="0" fill="hold" nodeType="clickEffect">
+                                  <p:stCondLst>
+                                    <p:cond delay="0"/>
+                                  </p:stCondLst>
+                                  <p:childTnLst>
+                                    <p:set>
+                                      <p:cBhvr>
+                                        <p:cTn id="10" dur="1" fill="hold">
+                                          <p:stCondLst>
+                                            <p:cond delay="0"/>
+                                          </p:stCondLst>
+                                        </p:cTn>
+                                        <p:tgtEl>
+                                          <p:spTgt spid="3">
+                                            <p:txEl>
+                                              <p:pRg st="2" end="2"/>
+                                            </p:txEl>
+                                          </p:spTgt>
+                                        </p:tgtEl>
+                                        <p:attrNameLst>
+                                          <p:attrName>style.visibility</p:attrName>
+                                        </p:attrNameLst>
+                                      </p:cBhvr>
+                                      <p:to>
+                                        <p:strVal val="visible"/>
+                                      </p:to>
+                                    </p:set>
+                                  </p:childTnLst>
+                                </p:cTn>
+                              </p:par>
+                              <p:par>
+                                <p:cTn id="11" presetID="1" presetClass="entr" presetSubtype="0" fill="hold" grpId="0" nodeType="withEffect">
+                                  <p:stCondLst>
+                                    <p:cond delay="0"/>
+                                  </p:stCondLst>
+                                  <p:childTnLst>
+                                    <p:set>
+                                      <p:cBhvr>
+                                        <p:cTn id="12" dur="1" fill="hold">
+                                          <p:stCondLst>
+                                            <p:cond delay="0"/>
+                                          </p:stCondLst>
+                                        </p:cTn>
+                                        <p:tgtEl>
+                                          <p:spTgt spid="6"/>
+                                        </p:tgtEl>
+                                        <p:attrNameLst>
+                                          <p:attrName>style.visibility</p:attrName>
+                                        </p:attrNameLst>
+                                      </p:cBhvr>
+                                      <p:to>
+                                        <p:strVal val="visible"/>
+                                      </p:to>
+                                    </p:set>
+                                  </p:childTnLst>
+                                </p:cTn>
+                              </p:par>
+                              <p:par>
+                                <p:cTn id="13" presetID="1" presetClass="entr" presetSubtype="0" fill="hold" grpId="0" nodeType="withEffect">
+                                  <p:stCondLst>
+                                    <p:cond delay="0"/>
+                                  </p:stCondLst>
+                                  <p:childTnLst>
+                                    <p:set>
+                                      <p:cBhvr>
+                                        <p:cTn id="14" dur="1" fill="hold">
+                                          <p:stCondLst>
+                                            <p:cond delay="0"/>
+                                          </p:stCondLst>
+                                        </p:cTn>
+                                        <p:tgtEl>
+                                          <p:spTgt spid="7"/>
+                                        </p:tgtEl>
+                                        <p:attrNameLst>
+                                          <p:attrName>style.visibility</p:attrName>
+                                        </p:attrNameLst>
+                                      </p:cBhvr>
+                                      <p:to>
+                                        <p:strVal val="visible"/>
+                                      </p:to>
+                                    </p:set>
+                                  </p:childTnLst>
+                                </p:cTn>
+                              </p:par>
+                            </p:childTnLst>
+                          </p:cTn>
+                        </p:par>
+                      </p:childTnLst>
+                    </p:cTn>
+                  </p:par>
+                </p:childTnLst>
+              </p:cTn>
+              <p:prevCondLst>
+                <p:cond evt="onPrev" delay="0">
+                  <p:tgtEl>
+                    <p:sldTgt/>
+                  </p:tgtEl>
+                </p:cond>
+              </p:prevCondLst>
+              <p:nextCondLst>
+                <p:cond evt="onNext" delay="0">
+                  <p:tgtEl>
+                    <p:sldTgt/>
+                  </p:tgtEl>
+                </p:cond>
+              </p:nextCondLst>
+            </p:seq>
+          </p:childTnLst>
+        </p:cTn>
+      </p:par>
+    </p:tnLst>
+    <p:bldLst>
+      <p:bldP spid="6" grpId="0" animBg="1"/>
+      <p:bldP spid="7" grpId="0" animBg="1"/>
+    </p:bldLst>
+  </p:timing>
 </p:sld>
 </file>
 
@@ -14931,6 +18188,497 @@
   <p:clrMapOvr>
     <a:masterClrMapping/>
   </p:clrMapOvr>
+  <p:timing>
+    <p:tnLst>
+      <p:par>
+        <p:cTn id="1" dur="indefinite" restart="never" nodeType="tmRoot">
+          <p:childTnLst>
+            <p:seq concurrent="1" nextAc="seek">
+              <p:cTn id="2" dur="indefinite" nodeType="mainSeq">
+                <p:childTnLst>
+                  <p:par>
+                    <p:cTn id="3" fill="hold">
+                      <p:stCondLst>
+                        <p:cond delay="indefinite"/>
+                        <p:cond evt="onBegin" delay="0">
+                          <p:tn val="2"/>
+                        </p:cond>
+                      </p:stCondLst>
+                      <p:childTnLst>
+                        <p:par>
+                          <p:cTn id="4" fill="hold">
+                            <p:stCondLst>
+                              <p:cond delay="0"/>
+                            </p:stCondLst>
+                            <p:childTnLst>
+                              <p:par>
+                                <p:cTn id="5" presetID="1" presetClass="entr" presetSubtype="0" fill="hold" grpId="0" nodeType="withEffect">
+                                  <p:stCondLst>
+                                    <p:cond delay="0"/>
+                                  </p:stCondLst>
+                                  <p:childTnLst>
+                                    <p:set>
+                                      <p:cBhvr>
+                                        <p:cTn id="6" dur="1" fill="hold">
+                                          <p:stCondLst>
+                                            <p:cond delay="0"/>
+                                          </p:stCondLst>
+                                        </p:cTn>
+                                        <p:tgtEl>
+                                          <p:spTgt spid="5"/>
+                                        </p:tgtEl>
+                                        <p:attrNameLst>
+                                          <p:attrName>style.visibility</p:attrName>
+                                        </p:attrNameLst>
+                                      </p:cBhvr>
+                                      <p:to>
+                                        <p:strVal val="visible"/>
+                                      </p:to>
+                                    </p:set>
+                                  </p:childTnLst>
+                                </p:cTn>
+                              </p:par>
+                              <p:par>
+                                <p:cTn id="7" presetID="1" presetClass="entr" presetSubtype="0" fill="hold" nodeType="withEffect">
+                                  <p:stCondLst>
+                                    <p:cond delay="0"/>
+                                  </p:stCondLst>
+                                  <p:childTnLst>
+                                    <p:set>
+                                      <p:cBhvr>
+                                        <p:cTn id="8" dur="1" fill="hold">
+                                          <p:stCondLst>
+                                            <p:cond delay="0"/>
+                                          </p:stCondLst>
+                                        </p:cTn>
+                                        <p:tgtEl>
+                                          <p:spTgt spid="5">
+                                            <p:txEl>
+                                              <p:pRg st="0" end="0"/>
+                                            </p:txEl>
+                                          </p:spTgt>
+                                        </p:tgtEl>
+                                        <p:attrNameLst>
+                                          <p:attrName>style.visibility</p:attrName>
+                                        </p:attrNameLst>
+                                      </p:cBhvr>
+                                      <p:to>
+                                        <p:strVal val="visible"/>
+                                      </p:to>
+                                    </p:set>
+                                  </p:childTnLst>
+                                </p:cTn>
+                              </p:par>
+                              <p:par>
+                                <p:cTn id="9" presetID="1" presetClass="entr" presetSubtype="0" fill="hold" nodeType="withEffect">
+                                  <p:stCondLst>
+                                    <p:cond delay="0"/>
+                                  </p:stCondLst>
+                                  <p:childTnLst>
+                                    <p:set>
+                                      <p:cBhvr>
+                                        <p:cTn id="10" dur="1" fill="hold">
+                                          <p:stCondLst>
+                                            <p:cond delay="0"/>
+                                          </p:stCondLst>
+                                        </p:cTn>
+                                        <p:tgtEl>
+                                          <p:spTgt spid="5">
+                                            <p:txEl>
+                                              <p:pRg st="1" end="1"/>
+                                            </p:txEl>
+                                          </p:spTgt>
+                                        </p:tgtEl>
+                                        <p:attrNameLst>
+                                          <p:attrName>style.visibility</p:attrName>
+                                        </p:attrNameLst>
+                                      </p:cBhvr>
+                                      <p:to>
+                                        <p:strVal val="visible"/>
+                                      </p:to>
+                                    </p:set>
+                                  </p:childTnLst>
+                                </p:cTn>
+                              </p:par>
+                              <p:par>
+                                <p:cTn id="11" presetID="1" presetClass="entr" presetSubtype="0" fill="hold" nodeType="withEffect">
+                                  <p:stCondLst>
+                                    <p:cond delay="0"/>
+                                  </p:stCondLst>
+                                  <p:childTnLst>
+                                    <p:set>
+                                      <p:cBhvr>
+                                        <p:cTn id="12" dur="1" fill="hold">
+                                          <p:stCondLst>
+                                            <p:cond delay="0"/>
+                                          </p:stCondLst>
+                                        </p:cTn>
+                                        <p:tgtEl>
+                                          <p:spTgt spid="5">
+                                            <p:txEl>
+                                              <p:pRg st="2" end="2"/>
+                                            </p:txEl>
+                                          </p:spTgt>
+                                        </p:tgtEl>
+                                        <p:attrNameLst>
+                                          <p:attrName>style.visibility</p:attrName>
+                                        </p:attrNameLst>
+                                      </p:cBhvr>
+                                      <p:to>
+                                        <p:strVal val="visible"/>
+                                      </p:to>
+                                    </p:set>
+                                  </p:childTnLst>
+                                </p:cTn>
+                              </p:par>
+                            </p:childTnLst>
+                          </p:cTn>
+                        </p:par>
+                      </p:childTnLst>
+                    </p:cTn>
+                  </p:par>
+                  <p:par>
+                    <p:cTn id="13" fill="hold">
+                      <p:stCondLst>
+                        <p:cond delay="indefinite"/>
+                      </p:stCondLst>
+                      <p:childTnLst>
+                        <p:par>
+                          <p:cTn id="14" fill="hold">
+                            <p:stCondLst>
+                              <p:cond delay="0"/>
+                            </p:stCondLst>
+                            <p:childTnLst>
+                              <p:par>
+                                <p:cTn id="15" presetID="1" presetClass="entr" presetSubtype="0" fill="hold" nodeType="clickEffect">
+                                  <p:stCondLst>
+                                    <p:cond delay="0"/>
+                                  </p:stCondLst>
+                                  <p:childTnLst>
+                                    <p:set>
+                                      <p:cBhvr>
+                                        <p:cTn id="16" dur="1" fill="hold">
+                                          <p:stCondLst>
+                                            <p:cond delay="0"/>
+                                          </p:stCondLst>
+                                        </p:cTn>
+                                        <p:tgtEl>
+                                          <p:spTgt spid="5">
+                                            <p:txEl>
+                                              <p:pRg st="3" end="3"/>
+                                            </p:txEl>
+                                          </p:spTgt>
+                                        </p:tgtEl>
+                                        <p:attrNameLst>
+                                          <p:attrName>style.visibility</p:attrName>
+                                        </p:attrNameLst>
+                                      </p:cBhvr>
+                                      <p:to>
+                                        <p:strVal val="visible"/>
+                                      </p:to>
+                                    </p:set>
+                                  </p:childTnLst>
+                                </p:cTn>
+                              </p:par>
+                              <p:par>
+                                <p:cTn id="17" presetID="1" presetClass="entr" presetSubtype="0" fill="hold" nodeType="withEffect">
+                                  <p:stCondLst>
+                                    <p:cond delay="0"/>
+                                  </p:stCondLst>
+                                  <p:childTnLst>
+                                    <p:set>
+                                      <p:cBhvr>
+                                        <p:cTn id="18" dur="1" fill="hold">
+                                          <p:stCondLst>
+                                            <p:cond delay="0"/>
+                                          </p:stCondLst>
+                                        </p:cTn>
+                                        <p:tgtEl>
+                                          <p:spTgt spid="5">
+                                            <p:txEl>
+                                              <p:pRg st="4" end="4"/>
+                                            </p:txEl>
+                                          </p:spTgt>
+                                        </p:tgtEl>
+                                        <p:attrNameLst>
+                                          <p:attrName>style.visibility</p:attrName>
+                                        </p:attrNameLst>
+                                      </p:cBhvr>
+                                      <p:to>
+                                        <p:strVal val="visible"/>
+                                      </p:to>
+                                    </p:set>
+                                  </p:childTnLst>
+                                </p:cTn>
+                              </p:par>
+                              <p:par>
+                                <p:cTn id="19" presetID="1" presetClass="entr" presetSubtype="0" fill="hold" nodeType="withEffect">
+                                  <p:stCondLst>
+                                    <p:cond delay="0"/>
+                                  </p:stCondLst>
+                                  <p:childTnLst>
+                                    <p:set>
+                                      <p:cBhvr>
+                                        <p:cTn id="20" dur="1" fill="hold">
+                                          <p:stCondLst>
+                                            <p:cond delay="0"/>
+                                          </p:stCondLst>
+                                        </p:cTn>
+                                        <p:tgtEl>
+                                          <p:spTgt spid="5">
+                                            <p:txEl>
+                                              <p:pRg st="5" end="5"/>
+                                            </p:txEl>
+                                          </p:spTgt>
+                                        </p:tgtEl>
+                                        <p:attrNameLst>
+                                          <p:attrName>style.visibility</p:attrName>
+                                        </p:attrNameLst>
+                                      </p:cBhvr>
+                                      <p:to>
+                                        <p:strVal val="visible"/>
+                                      </p:to>
+                                    </p:set>
+                                  </p:childTnLst>
+                                </p:cTn>
+                              </p:par>
+                            </p:childTnLst>
+                          </p:cTn>
+                        </p:par>
+                      </p:childTnLst>
+                    </p:cTn>
+                  </p:par>
+                  <p:par>
+                    <p:cTn id="21" fill="hold">
+                      <p:stCondLst>
+                        <p:cond delay="indefinite"/>
+                      </p:stCondLst>
+                      <p:childTnLst>
+                        <p:par>
+                          <p:cTn id="22" fill="hold">
+                            <p:stCondLst>
+                              <p:cond delay="0"/>
+                            </p:stCondLst>
+                            <p:childTnLst>
+                              <p:par>
+                                <p:cTn id="23" presetID="1" presetClass="entr" presetSubtype="0" fill="hold" nodeType="clickEffect">
+                                  <p:stCondLst>
+                                    <p:cond delay="0"/>
+                                  </p:stCondLst>
+                                  <p:childTnLst>
+                                    <p:set>
+                                      <p:cBhvr>
+                                        <p:cTn id="24" dur="1" fill="hold">
+                                          <p:stCondLst>
+                                            <p:cond delay="0"/>
+                                          </p:stCondLst>
+                                        </p:cTn>
+                                        <p:tgtEl>
+                                          <p:spTgt spid="5">
+                                            <p:txEl>
+                                              <p:pRg st="6" end="6"/>
+                                            </p:txEl>
+                                          </p:spTgt>
+                                        </p:tgtEl>
+                                        <p:attrNameLst>
+                                          <p:attrName>style.visibility</p:attrName>
+                                        </p:attrNameLst>
+                                      </p:cBhvr>
+                                      <p:to>
+                                        <p:strVal val="visible"/>
+                                      </p:to>
+                                    </p:set>
+                                  </p:childTnLst>
+                                </p:cTn>
+                              </p:par>
+                              <p:par>
+                                <p:cTn id="25" presetID="1" presetClass="entr" presetSubtype="0" fill="hold" nodeType="withEffect">
+                                  <p:stCondLst>
+                                    <p:cond delay="0"/>
+                                  </p:stCondLst>
+                                  <p:childTnLst>
+                                    <p:set>
+                                      <p:cBhvr>
+                                        <p:cTn id="26" dur="1" fill="hold">
+                                          <p:stCondLst>
+                                            <p:cond delay="0"/>
+                                          </p:stCondLst>
+                                        </p:cTn>
+                                        <p:tgtEl>
+                                          <p:spTgt spid="5">
+                                            <p:txEl>
+                                              <p:pRg st="7" end="7"/>
+                                            </p:txEl>
+                                          </p:spTgt>
+                                        </p:tgtEl>
+                                        <p:attrNameLst>
+                                          <p:attrName>style.visibility</p:attrName>
+                                        </p:attrNameLst>
+                                      </p:cBhvr>
+                                      <p:to>
+                                        <p:strVal val="visible"/>
+                                      </p:to>
+                                    </p:set>
+                                  </p:childTnLst>
+                                </p:cTn>
+                              </p:par>
+                              <p:par>
+                                <p:cTn id="27" presetID="1" presetClass="entr" presetSubtype="0" fill="hold" nodeType="withEffect">
+                                  <p:stCondLst>
+                                    <p:cond delay="0"/>
+                                  </p:stCondLst>
+                                  <p:childTnLst>
+                                    <p:set>
+                                      <p:cBhvr>
+                                        <p:cTn id="28" dur="1" fill="hold">
+                                          <p:stCondLst>
+                                            <p:cond delay="0"/>
+                                          </p:stCondLst>
+                                        </p:cTn>
+                                        <p:tgtEl>
+                                          <p:spTgt spid="5">
+                                            <p:txEl>
+                                              <p:pRg st="8" end="8"/>
+                                            </p:txEl>
+                                          </p:spTgt>
+                                        </p:tgtEl>
+                                        <p:attrNameLst>
+                                          <p:attrName>style.visibility</p:attrName>
+                                        </p:attrNameLst>
+                                      </p:cBhvr>
+                                      <p:to>
+                                        <p:strVal val="visible"/>
+                                      </p:to>
+                                    </p:set>
+                                  </p:childTnLst>
+                                </p:cTn>
+                              </p:par>
+                            </p:childTnLst>
+                          </p:cTn>
+                        </p:par>
+                      </p:childTnLst>
+                    </p:cTn>
+                  </p:par>
+                  <p:par>
+                    <p:cTn id="29" fill="hold">
+                      <p:stCondLst>
+                        <p:cond delay="indefinite"/>
+                      </p:stCondLst>
+                      <p:childTnLst>
+                        <p:par>
+                          <p:cTn id="30" fill="hold">
+                            <p:stCondLst>
+                              <p:cond delay="0"/>
+                            </p:stCondLst>
+                            <p:childTnLst>
+                              <p:par>
+                                <p:cTn id="31" presetID="1" presetClass="entr" presetSubtype="0" fill="hold" nodeType="clickEffect">
+                                  <p:stCondLst>
+                                    <p:cond delay="0"/>
+                                  </p:stCondLst>
+                                  <p:childTnLst>
+                                    <p:set>
+                                      <p:cBhvr>
+                                        <p:cTn id="32" dur="1" fill="hold">
+                                          <p:stCondLst>
+                                            <p:cond delay="0"/>
+                                          </p:stCondLst>
+                                        </p:cTn>
+                                        <p:tgtEl>
+                                          <p:spTgt spid="5">
+                                            <p:txEl>
+                                              <p:pRg st="9" end="9"/>
+                                            </p:txEl>
+                                          </p:spTgt>
+                                        </p:tgtEl>
+                                        <p:attrNameLst>
+                                          <p:attrName>style.visibility</p:attrName>
+                                        </p:attrNameLst>
+                                      </p:cBhvr>
+                                      <p:to>
+                                        <p:strVal val="visible"/>
+                                      </p:to>
+                                    </p:set>
+                                  </p:childTnLst>
+                                </p:cTn>
+                              </p:par>
+                            </p:childTnLst>
+                          </p:cTn>
+                        </p:par>
+                      </p:childTnLst>
+                    </p:cTn>
+                  </p:par>
+                  <p:par>
+                    <p:cTn id="33" fill="hold">
+                      <p:stCondLst>
+                        <p:cond delay="indefinite"/>
+                      </p:stCondLst>
+                      <p:childTnLst>
+                        <p:par>
+                          <p:cTn id="34" fill="hold">
+                            <p:stCondLst>
+                              <p:cond delay="0"/>
+                            </p:stCondLst>
+                            <p:childTnLst>
+                              <p:par>
+                                <p:cTn id="35" presetID="1" presetClass="entr" presetSubtype="0" fill="hold" grpId="0" nodeType="clickEffect">
+                                  <p:stCondLst>
+                                    <p:cond delay="0"/>
+                                  </p:stCondLst>
+                                  <p:childTnLst>
+                                    <p:set>
+                                      <p:cBhvr>
+                                        <p:cTn id="36" dur="1" fill="hold">
+                                          <p:stCondLst>
+                                            <p:cond delay="0"/>
+                                          </p:stCondLst>
+                                        </p:cTn>
+                                        <p:tgtEl>
+                                          <p:spTgt spid="2"/>
+                                        </p:tgtEl>
+                                        <p:attrNameLst>
+                                          <p:attrName>style.visibility</p:attrName>
+                                        </p:attrNameLst>
+                                      </p:cBhvr>
+                                      <p:to>
+                                        <p:strVal val="visible"/>
+                                      </p:to>
+                                    </p:set>
+                                  </p:childTnLst>
+                                </p:cTn>
+                              </p:par>
+                            </p:childTnLst>
+                          </p:cTn>
+                        </p:par>
+                      </p:childTnLst>
+                    </p:cTn>
+                  </p:par>
+                </p:childTnLst>
+              </p:cTn>
+              <p:prevCondLst>
+                <p:cond evt="onPrev" delay="0">
+                  <p:tgtEl>
+                    <p:sldTgt/>
+                  </p:tgtEl>
+                </p:cond>
+              </p:prevCondLst>
+              <p:nextCondLst>
+                <p:cond evt="onNext" delay="0">
+                  <p:tgtEl>
+                    <p:sldTgt/>
+                  </p:tgtEl>
+                </p:cond>
+              </p:nextCondLst>
+            </p:seq>
+          </p:childTnLst>
+        </p:cTn>
+      </p:par>
+    </p:tnLst>
+    <p:bldLst>
+      <p:bldP spid="5" grpId="0" animBg="1"/>
+      <p:bldP spid="2" grpId="0"/>
+    </p:bldLst>
+  </p:timing>
 </p:sld>
 </file>
 
